--- a/Donor-Choose-Project/CapstoneProject_Slides.pptx
+++ b/Donor-Choose-Project/CapstoneProject_Slides.pptx
@@ -3606,7 +3606,7 @@
         </p:blipFill>
         <p:spPr>
           <a:xfrm>
-            <a:off x="745988" y="465252"/>
+            <a:off x="825500" y="655140"/>
             <a:ext cx="10515600" cy="2887065"/>
           </a:xfrm>
         </p:spPr>
@@ -3627,7 +3627,7 @@
         </p:blipFill>
         <p:spPr>
           <a:xfrm>
-            <a:off x="998578" y="3306791"/>
+            <a:off x="998578" y="3424498"/>
             <a:ext cx="2981839" cy="2889456"/>
           </a:xfrm>
           <a:prstGeom prst="rect">
@@ -3643,7 +3643,7 @@
         </p:nvSpPr>
         <p:spPr>
           <a:xfrm>
-            <a:off x="998578" y="6196247"/>
+            <a:off x="998578" y="6311563"/>
             <a:ext cx="3454400" cy="430887"/>
           </a:xfrm>
           <a:prstGeom prst="rect">
@@ -4413,35 +4413,20 @@
           <a:p>
             <a:r>
               <a:rPr lang="en-US" dirty="0" smtClean="0"/>
-              <a:t>Precision – </a:t>
-            </a:r>
-            <a:r>
-              <a:rPr lang="en-US" dirty="0" smtClean="0"/>
-              <a:t>0.77</a:t>
-            </a:r>
-            <a:endParaRPr lang="en-US" dirty="0" smtClean="0"/>
-          </a:p>
-          <a:p>
-            <a:r>
-              <a:rPr lang="en-US" dirty="0" smtClean="0"/>
-              <a:t>Recall – </a:t>
-            </a:r>
-            <a:r>
-              <a:rPr lang="en-US" dirty="0" smtClean="0"/>
-              <a:t>0.90</a:t>
-            </a:r>
-            <a:endParaRPr lang="en-US" dirty="0" smtClean="0"/>
-          </a:p>
-          <a:p>
-            <a:r>
-              <a:rPr lang="en-US" dirty="0" smtClean="0"/>
-              <a:t>F-Score – </a:t>
-            </a:r>
-            <a:r>
-              <a:rPr lang="en-US" dirty="0" smtClean="0"/>
-              <a:t>0.83</a:t>
-            </a:r>
-            <a:endParaRPr lang="en-US" dirty="0" smtClean="0"/>
+              <a:t>Precision – 0.77</a:t>
+            </a:r>
+          </a:p>
+          <a:p>
+            <a:r>
+              <a:rPr lang="en-US" dirty="0" smtClean="0"/>
+              <a:t>Recall – 0.90</a:t>
+            </a:r>
+          </a:p>
+          <a:p>
+            <a:r>
+              <a:rPr lang="en-US" dirty="0" smtClean="0"/>
+              <a:t>F-Score – 0.83</a:t>
+            </a:r>
           </a:p>
           <a:p>
             <a:r>

--- a/Donor-Choose-Project/CapstoneProject_Slides.pptx
+++ b/Donor-Choose-Project/CapstoneProject_Slides.pptx
@@ -7,23 +7,24 @@
   <p:sldIdLst>
     <p:sldId id="256" r:id="rId2"/>
     <p:sldId id="257" r:id="rId3"/>
-    <p:sldId id="271" r:id="rId4"/>
-    <p:sldId id="258" r:id="rId5"/>
-    <p:sldId id="259" r:id="rId6"/>
-    <p:sldId id="260" r:id="rId7"/>
-    <p:sldId id="261" r:id="rId8"/>
-    <p:sldId id="262" r:id="rId9"/>
-    <p:sldId id="263" r:id="rId10"/>
-    <p:sldId id="264" r:id="rId11"/>
-    <p:sldId id="265" r:id="rId12"/>
-    <p:sldId id="272" r:id="rId13"/>
-    <p:sldId id="273" r:id="rId14"/>
-    <p:sldId id="275" r:id="rId15"/>
-    <p:sldId id="266" r:id="rId16"/>
-    <p:sldId id="267" r:id="rId17"/>
-    <p:sldId id="268" r:id="rId18"/>
-    <p:sldId id="269" r:id="rId19"/>
-    <p:sldId id="270" r:id="rId20"/>
+    <p:sldId id="276" r:id="rId4"/>
+    <p:sldId id="282" r:id="rId5"/>
+    <p:sldId id="258" r:id="rId6"/>
+    <p:sldId id="259" r:id="rId7"/>
+    <p:sldId id="260" r:id="rId8"/>
+    <p:sldId id="261" r:id="rId9"/>
+    <p:sldId id="262" r:id="rId10"/>
+    <p:sldId id="263" r:id="rId11"/>
+    <p:sldId id="277" r:id="rId12"/>
+    <p:sldId id="278" r:id="rId13"/>
+    <p:sldId id="279" r:id="rId14"/>
+    <p:sldId id="280" r:id="rId15"/>
+    <p:sldId id="281" r:id="rId16"/>
+    <p:sldId id="264" r:id="rId17"/>
+    <p:sldId id="265" r:id="rId18"/>
+    <p:sldId id="272" r:id="rId19"/>
+    <p:sldId id="269" r:id="rId20"/>
+    <p:sldId id="270" r:id="rId21"/>
   </p:sldIdLst>
   <p:sldSz cx="12192000" cy="6858000"/>
   <p:notesSz cx="6858000" cy="9144000"/>
@@ -172,10 +173,9 @@
           </a:lstStyle>
           <a:p>
             <a:r>
-              <a:rPr lang="en-US" smtClean="0"/>
+              <a:rPr lang="en-US"/>
               <a:t>Click to edit Master title style</a:t>
             </a:r>
-            <a:endParaRPr lang="en-US"/>
           </a:p>
         </p:txBody>
       </p:sp>
@@ -237,10 +237,9 @@
           </a:lstStyle>
           <a:p>
             <a:r>
-              <a:rPr lang="en-US" smtClean="0"/>
+              <a:rPr lang="en-US"/>
               <a:t>Click to edit Master subtitle style</a:t>
             </a:r>
-            <a:endParaRPr lang="en-US"/>
           </a:p>
         </p:txBody>
       </p:sp>
@@ -261,7 +260,7 @@
           <a:p>
             <a:fld id="{DBDEB6DA-F520-4D64-B513-50F3142EF1F3}" type="datetimeFigureOut">
               <a:rPr lang="en-US" smtClean="0"/>
-              <a:t>6/25/2016</a:t>
+              <a:t>6/27/2016</a:t>
             </a:fld>
             <a:endParaRPr lang="en-US"/>
           </a:p>
@@ -355,10 +354,9 @@
           <a:lstStyle/>
           <a:p>
             <a:r>
-              <a:rPr lang="en-US" smtClean="0"/>
+              <a:rPr lang="en-US"/>
               <a:t>Click to edit Master title style</a:t>
             </a:r>
-            <a:endParaRPr lang="en-US"/>
           </a:p>
         </p:txBody>
       </p:sp>
@@ -379,38 +377,37 @@
           <a:p>
             <a:pPr lvl="0"/>
             <a:r>
-              <a:rPr lang="en-US" smtClean="0"/>
+              <a:rPr lang="en-US"/>
               <a:t>Edit Master text styles</a:t>
             </a:r>
           </a:p>
           <a:p>
             <a:pPr lvl="1"/>
             <a:r>
-              <a:rPr lang="en-US" smtClean="0"/>
+              <a:rPr lang="en-US"/>
               <a:t>Second level</a:t>
             </a:r>
           </a:p>
           <a:p>
             <a:pPr lvl="2"/>
             <a:r>
-              <a:rPr lang="en-US" smtClean="0"/>
+              <a:rPr lang="en-US"/>
               <a:t>Third level</a:t>
             </a:r>
           </a:p>
           <a:p>
             <a:pPr lvl="3"/>
             <a:r>
-              <a:rPr lang="en-US" smtClean="0"/>
+              <a:rPr lang="en-US"/>
               <a:t>Fourth level</a:t>
             </a:r>
           </a:p>
           <a:p>
             <a:pPr lvl="4"/>
             <a:r>
-              <a:rPr lang="en-US" smtClean="0"/>
+              <a:rPr lang="en-US"/>
               <a:t>Fifth level</a:t>
             </a:r>
-            <a:endParaRPr lang="en-US"/>
           </a:p>
         </p:txBody>
       </p:sp>
@@ -431,7 +428,7 @@
           <a:p>
             <a:fld id="{DBDEB6DA-F520-4D64-B513-50F3142EF1F3}" type="datetimeFigureOut">
               <a:rPr lang="en-US" smtClean="0"/>
-              <a:t>6/25/2016</a:t>
+              <a:t>6/27/2016</a:t>
             </a:fld>
             <a:endParaRPr lang="en-US"/>
           </a:p>
@@ -530,10 +527,9 @@
           <a:lstStyle/>
           <a:p>
             <a:r>
-              <a:rPr lang="en-US" smtClean="0"/>
+              <a:rPr lang="en-US"/>
               <a:t>Click to edit Master title style</a:t>
             </a:r>
-            <a:endParaRPr lang="en-US"/>
           </a:p>
         </p:txBody>
       </p:sp>
@@ -559,38 +555,37 @@
           <a:p>
             <a:pPr lvl="0"/>
             <a:r>
-              <a:rPr lang="en-US" smtClean="0"/>
+              <a:rPr lang="en-US"/>
               <a:t>Edit Master text styles</a:t>
             </a:r>
           </a:p>
           <a:p>
             <a:pPr lvl="1"/>
             <a:r>
-              <a:rPr lang="en-US" smtClean="0"/>
+              <a:rPr lang="en-US"/>
               <a:t>Second level</a:t>
             </a:r>
           </a:p>
           <a:p>
             <a:pPr lvl="2"/>
             <a:r>
-              <a:rPr lang="en-US" smtClean="0"/>
+              <a:rPr lang="en-US"/>
               <a:t>Third level</a:t>
             </a:r>
           </a:p>
           <a:p>
             <a:pPr lvl="3"/>
             <a:r>
-              <a:rPr lang="en-US" smtClean="0"/>
+              <a:rPr lang="en-US"/>
               <a:t>Fourth level</a:t>
             </a:r>
           </a:p>
           <a:p>
             <a:pPr lvl="4"/>
             <a:r>
-              <a:rPr lang="en-US" smtClean="0"/>
+              <a:rPr lang="en-US"/>
               <a:t>Fifth level</a:t>
             </a:r>
-            <a:endParaRPr lang="en-US"/>
           </a:p>
         </p:txBody>
       </p:sp>
@@ -611,7 +606,7 @@
           <a:p>
             <a:fld id="{DBDEB6DA-F520-4D64-B513-50F3142EF1F3}" type="datetimeFigureOut">
               <a:rPr lang="en-US" smtClean="0"/>
-              <a:t>6/25/2016</a:t>
+              <a:t>6/27/2016</a:t>
             </a:fld>
             <a:endParaRPr lang="en-US"/>
           </a:p>
@@ -705,10 +700,9 @@
           <a:lstStyle/>
           <a:p>
             <a:r>
-              <a:rPr lang="en-US" smtClean="0"/>
+              <a:rPr lang="en-US"/>
               <a:t>Click to edit Master title style</a:t>
             </a:r>
-            <a:endParaRPr lang="en-US"/>
           </a:p>
         </p:txBody>
       </p:sp>
@@ -729,38 +723,37 @@
           <a:p>
             <a:pPr lvl="0"/>
             <a:r>
-              <a:rPr lang="en-US" smtClean="0"/>
+              <a:rPr lang="en-US"/>
               <a:t>Edit Master text styles</a:t>
             </a:r>
           </a:p>
           <a:p>
             <a:pPr lvl="1"/>
             <a:r>
-              <a:rPr lang="en-US" smtClean="0"/>
+              <a:rPr lang="en-US"/>
               <a:t>Second level</a:t>
             </a:r>
           </a:p>
           <a:p>
             <a:pPr lvl="2"/>
             <a:r>
-              <a:rPr lang="en-US" smtClean="0"/>
+              <a:rPr lang="en-US"/>
               <a:t>Third level</a:t>
             </a:r>
           </a:p>
           <a:p>
             <a:pPr lvl="3"/>
             <a:r>
-              <a:rPr lang="en-US" smtClean="0"/>
+              <a:rPr lang="en-US"/>
               <a:t>Fourth level</a:t>
             </a:r>
           </a:p>
           <a:p>
             <a:pPr lvl="4"/>
             <a:r>
-              <a:rPr lang="en-US" smtClean="0"/>
+              <a:rPr lang="en-US"/>
               <a:t>Fifth level</a:t>
             </a:r>
-            <a:endParaRPr lang="en-US"/>
           </a:p>
         </p:txBody>
       </p:sp>
@@ -781,7 +774,7 @@
           <a:p>
             <a:fld id="{DBDEB6DA-F520-4D64-B513-50F3142EF1F3}" type="datetimeFigureOut">
               <a:rPr lang="en-US" smtClean="0"/>
-              <a:t>6/25/2016</a:t>
+              <a:t>6/27/2016</a:t>
             </a:fld>
             <a:endParaRPr lang="en-US"/>
           </a:p>
@@ -884,10 +877,9 @@
           </a:lstStyle>
           <a:p>
             <a:r>
-              <a:rPr lang="en-US" smtClean="0"/>
+              <a:rPr lang="en-US"/>
               <a:t>Click to edit Master title style</a:t>
             </a:r>
-            <a:endParaRPr lang="en-US"/>
           </a:p>
         </p:txBody>
       </p:sp>
@@ -1004,7 +996,7 @@
           <a:p>
             <a:pPr lvl="0"/>
             <a:r>
-              <a:rPr lang="en-US" smtClean="0"/>
+              <a:rPr lang="en-US"/>
               <a:t>Edit Master text styles</a:t>
             </a:r>
           </a:p>
@@ -1027,7 +1019,7 @@
           <a:p>
             <a:fld id="{DBDEB6DA-F520-4D64-B513-50F3142EF1F3}" type="datetimeFigureOut">
               <a:rPr lang="en-US" smtClean="0"/>
-              <a:t>6/25/2016</a:t>
+              <a:t>6/27/2016</a:t>
             </a:fld>
             <a:endParaRPr lang="en-US"/>
           </a:p>
@@ -1121,10 +1113,9 @@
           <a:lstStyle/>
           <a:p>
             <a:r>
-              <a:rPr lang="en-US" smtClean="0"/>
+              <a:rPr lang="en-US"/>
               <a:t>Click to edit Master title style</a:t>
             </a:r>
-            <a:endParaRPr lang="en-US"/>
           </a:p>
         </p:txBody>
       </p:sp>
@@ -1150,38 +1141,37 @@
           <a:p>
             <a:pPr lvl="0"/>
             <a:r>
-              <a:rPr lang="en-US" smtClean="0"/>
+              <a:rPr lang="en-US"/>
               <a:t>Edit Master text styles</a:t>
             </a:r>
           </a:p>
           <a:p>
             <a:pPr lvl="1"/>
             <a:r>
-              <a:rPr lang="en-US" smtClean="0"/>
+              <a:rPr lang="en-US"/>
               <a:t>Second level</a:t>
             </a:r>
           </a:p>
           <a:p>
             <a:pPr lvl="2"/>
             <a:r>
-              <a:rPr lang="en-US" smtClean="0"/>
+              <a:rPr lang="en-US"/>
               <a:t>Third level</a:t>
             </a:r>
           </a:p>
           <a:p>
             <a:pPr lvl="3"/>
             <a:r>
-              <a:rPr lang="en-US" smtClean="0"/>
+              <a:rPr lang="en-US"/>
               <a:t>Fourth level</a:t>
             </a:r>
           </a:p>
           <a:p>
             <a:pPr lvl="4"/>
             <a:r>
-              <a:rPr lang="en-US" smtClean="0"/>
+              <a:rPr lang="en-US"/>
               <a:t>Fifth level</a:t>
             </a:r>
-            <a:endParaRPr lang="en-US"/>
           </a:p>
         </p:txBody>
       </p:sp>
@@ -1207,38 +1197,37 @@
           <a:p>
             <a:pPr lvl="0"/>
             <a:r>
-              <a:rPr lang="en-US" smtClean="0"/>
+              <a:rPr lang="en-US"/>
               <a:t>Edit Master text styles</a:t>
             </a:r>
           </a:p>
           <a:p>
             <a:pPr lvl="1"/>
             <a:r>
-              <a:rPr lang="en-US" smtClean="0"/>
+              <a:rPr lang="en-US"/>
               <a:t>Second level</a:t>
             </a:r>
           </a:p>
           <a:p>
             <a:pPr lvl="2"/>
             <a:r>
-              <a:rPr lang="en-US" smtClean="0"/>
+              <a:rPr lang="en-US"/>
               <a:t>Third level</a:t>
             </a:r>
           </a:p>
           <a:p>
             <a:pPr lvl="3"/>
             <a:r>
-              <a:rPr lang="en-US" smtClean="0"/>
+              <a:rPr lang="en-US"/>
               <a:t>Fourth level</a:t>
             </a:r>
           </a:p>
           <a:p>
             <a:pPr lvl="4"/>
             <a:r>
-              <a:rPr lang="en-US" smtClean="0"/>
+              <a:rPr lang="en-US"/>
               <a:t>Fifth level</a:t>
             </a:r>
-            <a:endParaRPr lang="en-US"/>
           </a:p>
         </p:txBody>
       </p:sp>
@@ -1259,7 +1248,7 @@
           <a:p>
             <a:fld id="{DBDEB6DA-F520-4D64-B513-50F3142EF1F3}" type="datetimeFigureOut">
               <a:rPr lang="en-US" smtClean="0"/>
-              <a:t>6/25/2016</a:t>
+              <a:t>6/27/2016</a:t>
             </a:fld>
             <a:endParaRPr lang="en-US"/>
           </a:p>
@@ -1358,10 +1347,9 @@
           <a:lstStyle/>
           <a:p>
             <a:r>
-              <a:rPr lang="en-US" smtClean="0"/>
+              <a:rPr lang="en-US"/>
               <a:t>Click to edit Master title style</a:t>
             </a:r>
-            <a:endParaRPr lang="en-US"/>
           </a:p>
         </p:txBody>
       </p:sp>
@@ -1424,7 +1412,7 @@
           <a:p>
             <a:pPr lvl="0"/>
             <a:r>
-              <a:rPr lang="en-US" smtClean="0"/>
+              <a:rPr lang="en-US"/>
               <a:t>Edit Master text styles</a:t>
             </a:r>
           </a:p>
@@ -1452,38 +1440,37 @@
           <a:p>
             <a:pPr lvl="0"/>
             <a:r>
-              <a:rPr lang="en-US" smtClean="0"/>
+              <a:rPr lang="en-US"/>
               <a:t>Edit Master text styles</a:t>
             </a:r>
           </a:p>
           <a:p>
             <a:pPr lvl="1"/>
             <a:r>
-              <a:rPr lang="en-US" smtClean="0"/>
+              <a:rPr lang="en-US"/>
               <a:t>Second level</a:t>
             </a:r>
           </a:p>
           <a:p>
             <a:pPr lvl="2"/>
             <a:r>
-              <a:rPr lang="en-US" smtClean="0"/>
+              <a:rPr lang="en-US"/>
               <a:t>Third level</a:t>
             </a:r>
           </a:p>
           <a:p>
             <a:pPr lvl="3"/>
             <a:r>
-              <a:rPr lang="en-US" smtClean="0"/>
+              <a:rPr lang="en-US"/>
               <a:t>Fourth level</a:t>
             </a:r>
           </a:p>
           <a:p>
             <a:pPr lvl="4"/>
             <a:r>
-              <a:rPr lang="en-US" smtClean="0"/>
+              <a:rPr lang="en-US"/>
               <a:t>Fifth level</a:t>
             </a:r>
-            <a:endParaRPr lang="en-US"/>
           </a:p>
         </p:txBody>
       </p:sp>
@@ -1546,7 +1533,7 @@
           <a:p>
             <a:pPr lvl="0"/>
             <a:r>
-              <a:rPr lang="en-US" smtClean="0"/>
+              <a:rPr lang="en-US"/>
               <a:t>Edit Master text styles</a:t>
             </a:r>
           </a:p>
@@ -1574,38 +1561,37 @@
           <a:p>
             <a:pPr lvl="0"/>
             <a:r>
-              <a:rPr lang="en-US" smtClean="0"/>
+              <a:rPr lang="en-US"/>
               <a:t>Edit Master text styles</a:t>
             </a:r>
           </a:p>
           <a:p>
             <a:pPr lvl="1"/>
             <a:r>
-              <a:rPr lang="en-US" smtClean="0"/>
+              <a:rPr lang="en-US"/>
               <a:t>Second level</a:t>
             </a:r>
           </a:p>
           <a:p>
             <a:pPr lvl="2"/>
             <a:r>
-              <a:rPr lang="en-US" smtClean="0"/>
+              <a:rPr lang="en-US"/>
               <a:t>Third level</a:t>
             </a:r>
           </a:p>
           <a:p>
             <a:pPr lvl="3"/>
             <a:r>
-              <a:rPr lang="en-US" smtClean="0"/>
+              <a:rPr lang="en-US"/>
               <a:t>Fourth level</a:t>
             </a:r>
           </a:p>
           <a:p>
             <a:pPr lvl="4"/>
             <a:r>
-              <a:rPr lang="en-US" smtClean="0"/>
+              <a:rPr lang="en-US"/>
               <a:t>Fifth level</a:t>
             </a:r>
-            <a:endParaRPr lang="en-US"/>
           </a:p>
         </p:txBody>
       </p:sp>
@@ -1626,7 +1612,7 @@
           <a:p>
             <a:fld id="{DBDEB6DA-F520-4D64-B513-50F3142EF1F3}" type="datetimeFigureOut">
               <a:rPr lang="en-US" smtClean="0"/>
-              <a:t>6/25/2016</a:t>
+              <a:t>6/27/2016</a:t>
             </a:fld>
             <a:endParaRPr lang="en-US"/>
           </a:p>
@@ -1720,10 +1706,9 @@
           <a:lstStyle/>
           <a:p>
             <a:r>
-              <a:rPr lang="en-US" smtClean="0"/>
+              <a:rPr lang="en-US"/>
               <a:t>Click to edit Master title style</a:t>
             </a:r>
-            <a:endParaRPr lang="en-US"/>
           </a:p>
         </p:txBody>
       </p:sp>
@@ -1744,7 +1729,7 @@
           <a:p>
             <a:fld id="{DBDEB6DA-F520-4D64-B513-50F3142EF1F3}" type="datetimeFigureOut">
               <a:rPr lang="en-US" smtClean="0"/>
-              <a:t>6/25/2016</a:t>
+              <a:t>6/27/2016</a:t>
             </a:fld>
             <a:endParaRPr lang="en-US"/>
           </a:p>
@@ -1839,7 +1824,7 @@
           <a:p>
             <a:fld id="{DBDEB6DA-F520-4D64-B513-50F3142EF1F3}" type="datetimeFigureOut">
               <a:rPr lang="en-US" smtClean="0"/>
-              <a:t>6/25/2016</a:t>
+              <a:t>6/27/2016</a:t>
             </a:fld>
             <a:endParaRPr lang="en-US"/>
           </a:p>
@@ -1942,10 +1927,9 @@
           </a:lstStyle>
           <a:p>
             <a:r>
-              <a:rPr lang="en-US" smtClean="0"/>
+              <a:rPr lang="en-US"/>
               <a:t>Click to edit Master title style</a:t>
             </a:r>
-            <a:endParaRPr lang="en-US"/>
           </a:p>
         </p:txBody>
       </p:sp>
@@ -1999,38 +1983,37 @@
           <a:p>
             <a:pPr lvl="0"/>
             <a:r>
-              <a:rPr lang="en-US" smtClean="0"/>
+              <a:rPr lang="en-US"/>
               <a:t>Edit Master text styles</a:t>
             </a:r>
           </a:p>
           <a:p>
             <a:pPr lvl="1"/>
             <a:r>
-              <a:rPr lang="en-US" smtClean="0"/>
+              <a:rPr lang="en-US"/>
               <a:t>Second level</a:t>
             </a:r>
           </a:p>
           <a:p>
             <a:pPr lvl="2"/>
             <a:r>
-              <a:rPr lang="en-US" smtClean="0"/>
+              <a:rPr lang="en-US"/>
               <a:t>Third level</a:t>
             </a:r>
           </a:p>
           <a:p>
             <a:pPr lvl="3"/>
             <a:r>
-              <a:rPr lang="en-US" smtClean="0"/>
+              <a:rPr lang="en-US"/>
               <a:t>Fourth level</a:t>
             </a:r>
           </a:p>
           <a:p>
             <a:pPr lvl="4"/>
             <a:r>
-              <a:rPr lang="en-US" smtClean="0"/>
+              <a:rPr lang="en-US"/>
               <a:t>Fifth level</a:t>
             </a:r>
-            <a:endParaRPr lang="en-US"/>
           </a:p>
         </p:txBody>
       </p:sp>
@@ -2093,7 +2076,7 @@
           <a:p>
             <a:pPr lvl="0"/>
             <a:r>
-              <a:rPr lang="en-US" smtClean="0"/>
+              <a:rPr lang="en-US"/>
               <a:t>Edit Master text styles</a:t>
             </a:r>
           </a:p>
@@ -2116,7 +2099,7 @@
           <a:p>
             <a:fld id="{DBDEB6DA-F520-4D64-B513-50F3142EF1F3}" type="datetimeFigureOut">
               <a:rPr lang="en-US" smtClean="0"/>
-              <a:t>6/25/2016</a:t>
+              <a:t>6/27/2016</a:t>
             </a:fld>
             <a:endParaRPr lang="en-US"/>
           </a:p>
@@ -2219,10 +2202,9 @@
           </a:lstStyle>
           <a:p>
             <a:r>
-              <a:rPr lang="en-US" smtClean="0"/>
+              <a:rPr lang="en-US"/>
               <a:t>Click to edit Master title style</a:t>
             </a:r>
-            <a:endParaRPr lang="en-US"/>
           </a:p>
         </p:txBody>
       </p:sp>
@@ -2346,7 +2328,7 @@
           <a:p>
             <a:pPr lvl="0"/>
             <a:r>
-              <a:rPr lang="en-US" smtClean="0"/>
+              <a:rPr lang="en-US"/>
               <a:t>Edit Master text styles</a:t>
             </a:r>
           </a:p>
@@ -2369,7 +2351,7 @@
           <a:p>
             <a:fld id="{DBDEB6DA-F520-4D64-B513-50F3142EF1F3}" type="datetimeFigureOut">
               <a:rPr lang="en-US" smtClean="0"/>
-              <a:t>6/25/2016</a:t>
+              <a:t>6/27/2016</a:t>
             </a:fld>
             <a:endParaRPr lang="en-US"/>
           </a:p>
@@ -2478,10 +2460,9 @@
           <a:lstStyle/>
           <a:p>
             <a:r>
-              <a:rPr lang="en-US" smtClean="0"/>
+              <a:rPr lang="en-US"/>
               <a:t>Click to edit Master title style</a:t>
             </a:r>
-            <a:endParaRPr lang="en-US"/>
           </a:p>
         </p:txBody>
       </p:sp>
@@ -2512,38 +2493,37 @@
           <a:p>
             <a:pPr lvl="0"/>
             <a:r>
-              <a:rPr lang="en-US" smtClean="0"/>
+              <a:rPr lang="en-US"/>
               <a:t>Edit Master text styles</a:t>
             </a:r>
           </a:p>
           <a:p>
             <a:pPr lvl="1"/>
             <a:r>
-              <a:rPr lang="en-US" smtClean="0"/>
+              <a:rPr lang="en-US"/>
               <a:t>Second level</a:t>
             </a:r>
           </a:p>
           <a:p>
             <a:pPr lvl="2"/>
             <a:r>
-              <a:rPr lang="en-US" smtClean="0"/>
+              <a:rPr lang="en-US"/>
               <a:t>Third level</a:t>
             </a:r>
           </a:p>
           <a:p>
             <a:pPr lvl="3"/>
             <a:r>
-              <a:rPr lang="en-US" smtClean="0"/>
+              <a:rPr lang="en-US"/>
               <a:t>Fourth level</a:t>
             </a:r>
           </a:p>
           <a:p>
             <a:pPr lvl="4"/>
             <a:r>
-              <a:rPr lang="en-US" smtClean="0"/>
+              <a:rPr lang="en-US"/>
               <a:t>Fifth level</a:t>
             </a:r>
-            <a:endParaRPr lang="en-US"/>
           </a:p>
         </p:txBody>
       </p:sp>
@@ -2582,7 +2562,7 @@
           <a:p>
             <a:fld id="{DBDEB6DA-F520-4D64-B513-50F3142EF1F3}" type="datetimeFigureOut">
               <a:rPr lang="en-US" smtClean="0"/>
-              <a:t>6/25/2016</a:t>
+              <a:t>6/27/2016</a:t>
             </a:fld>
             <a:endParaRPr lang="en-US"/>
           </a:p>
@@ -3011,7 +2991,7 @@
           <a:p>
             <a:r>
               <a:rPr lang="en-US" sz="4800" b="1" dirty="0"/>
-              <a:t>Predictive Analytics for Social good </a:t>
+              <a:t>Predictive Analytics for Social GOOD: </a:t>
             </a:r>
             <a:endParaRPr lang="en-US" sz="4800" dirty="0"/>
           </a:p>
@@ -3041,8 +3021,13 @@
           <a:p>
             <a:r>
               <a:rPr lang="en-US" sz="2800" dirty="0"/>
-              <a:t>Predicting Project Success at DonorsChoose.org</a:t>
-            </a:r>
+              <a:t>Predicting Project Success at </a:t>
+            </a:r>
+            <a:r>
+              <a:rPr lang="en-US" sz="2800" dirty="0" err="1"/>
+              <a:t>DonorsChoose</a:t>
+            </a:r>
+            <a:endParaRPr lang="en-US" sz="2800" dirty="0"/>
           </a:p>
         </p:txBody>
       </p:sp>
@@ -3056,13 +3041,6 @@
   <p:clrMapOvr>
     <a:masterClrMapping/>
   </p:clrMapOvr>
-  <p:timing>
-    <p:tnLst>
-      <p:par>
-        <p:cTn id="1" dur="indefinite" restart="never" nodeType="tmRoot"/>
-      </p:par>
-    </p:tnLst>
-  </p:timing>
 </p:sld>
 </file>
 
@@ -3093,156 +3071,96 @@
             <p:ph type="title"/>
           </p:nvPr>
         </p:nvSpPr>
-        <p:spPr/>
+        <p:spPr>
+          <a:xfrm>
+            <a:off x="838200" y="276225"/>
+            <a:ext cx="10515600" cy="1325563"/>
+          </a:xfrm>
+        </p:spPr>
         <p:txBody>
           <a:bodyPr/>
           <a:lstStyle/>
           <a:p>
             <a:pPr algn="ctr"/>
             <a:r>
-              <a:rPr lang="en-US" dirty="0" smtClean="0"/>
-              <a:t>Exploratory Data Analysis</a:t>
+              <a:rPr lang="en-US" dirty="0"/>
+              <a:t>Preliminary Analysis</a:t>
+            </a:r>
+          </a:p>
+        </p:txBody>
+      </p:sp>
+      <p:sp>
+        <p:nvSpPr>
+          <p:cNvPr id="3" name="Content Placeholder 2"/>
+          <p:cNvSpPr>
+            <a:spLocks noGrp="1"/>
+          </p:cNvSpPr>
+          <p:nvPr>
+            <p:ph idx="1"/>
+          </p:nvPr>
+        </p:nvSpPr>
+        <p:spPr>
+          <a:xfrm>
+            <a:off x="838200" y="1601788"/>
+            <a:ext cx="10515600" cy="4665663"/>
+          </a:xfrm>
+        </p:spPr>
+        <p:txBody>
+          <a:bodyPr/>
+          <a:lstStyle/>
+          <a:p>
+            <a:pPr marL="0" indent="0">
+              <a:buNone/>
+            </a:pPr>
+            <a:r>
+              <a:rPr lang="en-US" sz="3200" dirty="0"/>
+              <a:t>Observations</a:t>
+            </a:r>
+            <a:r>
+              <a:rPr lang="en-US" sz="3600" dirty="0"/>
+              <a:t> </a:t>
+            </a:r>
+          </a:p>
+          <a:p>
+            <a:r>
+              <a:rPr lang="en-US" sz="2400" dirty="0"/>
+              <a:t>‘Other’ scored the lowest (57.39 % projects completed)-</a:t>
+            </a:r>
+            <a:endParaRPr lang="en-US" sz="1400" dirty="0"/>
+          </a:p>
+          <a:p>
+            <a:pPr marL="457200" lvl="1" indent="0">
+              <a:buNone/>
+            </a:pPr>
+            <a:r>
+              <a:rPr lang="en-US" sz="2000" i="1" dirty="0"/>
+              <a:t>‘Other’ comes under ‘Applied Learning’ category. So for a teacher, it is better to have a project assigned to some category rather than having it in ‘Other’</a:t>
+            </a:r>
+            <a:endParaRPr lang="en-US" sz="1100" dirty="0"/>
+          </a:p>
+          <a:p>
+            <a:r>
+              <a:rPr lang="en-US" sz="2400" dirty="0"/>
+              <a:t>‘Parent Involvement’ projects also scored very low compared to other categories(57.68% projects completed)</a:t>
             </a:r>
             <a:endParaRPr lang="en-US" dirty="0"/>
           </a:p>
-        </p:txBody>
-      </p:sp>
-      <p:sp>
-        <p:nvSpPr>
-          <p:cNvPr id="3" name="Content Placeholder 2"/>
-          <p:cNvSpPr>
-            <a:spLocks noGrp="1"/>
-          </p:cNvSpPr>
-          <p:nvPr>
-            <p:ph idx="1"/>
-          </p:nvPr>
-        </p:nvSpPr>
-        <p:spPr>
-          <a:xfrm>
-            <a:off x="838200" y="1690688"/>
-            <a:ext cx="10515600" cy="4351338"/>
-          </a:xfrm>
-        </p:spPr>
-        <p:txBody>
-          <a:bodyPr/>
-          <a:lstStyle/>
-          <a:p>
-            <a:pPr lvl="0"/>
-            <a:r>
-              <a:rPr lang="en-US" dirty="0"/>
-              <a:t>Correlation between project’s </a:t>
-            </a:r>
-            <a:r>
-              <a:rPr lang="en-US" dirty="0" smtClean="0"/>
-              <a:t>state </a:t>
-            </a:r>
-            <a:r>
-              <a:rPr lang="en-US" dirty="0"/>
-              <a:t>and donor’s state</a:t>
-            </a:r>
-          </a:p>
-          <a:p>
-            <a:pPr marL="0" indent="0">
-              <a:buNone/>
-            </a:pPr>
+          <a:p>
+            <a:pPr lvl="1"/>
             <a:endParaRPr lang="en-US" dirty="0"/>
-          </a:p>
-        </p:txBody>
-      </p:sp>
-      <p:pic>
-        <p:nvPicPr>
-          <p:cNvPr id="4" name="Picture 3"/>
-          <p:cNvPicPr/>
-          <p:nvPr/>
-        </p:nvPicPr>
-        <p:blipFill>
-          <a:blip r:embed="rId2"/>
-          <a:stretch>
-            <a:fillRect/>
-          </a:stretch>
-        </p:blipFill>
-        <p:spPr>
-          <a:xfrm>
-            <a:off x="1625599" y="2401588"/>
-            <a:ext cx="8265823" cy="3229556"/>
-          </a:xfrm>
-          <a:prstGeom prst="rect">
-            <a:avLst/>
-          </a:prstGeom>
-        </p:spPr>
-      </p:pic>
-      <p:sp>
-        <p:nvSpPr>
-          <p:cNvPr id="5" name="Rectangle 4"/>
-          <p:cNvSpPr/>
-          <p:nvPr/>
-        </p:nvSpPr>
-        <p:spPr>
-          <a:xfrm>
-            <a:off x="3562443" y="5631144"/>
-            <a:ext cx="4087336" cy="410882"/>
-          </a:xfrm>
-          <a:prstGeom prst="rect">
-            <a:avLst/>
-          </a:prstGeom>
-        </p:spPr>
-        <p:txBody>
-          <a:bodyPr wrap="none">
-            <a:spAutoFit/>
-          </a:bodyPr>
-          <a:lstStyle/>
-          <a:p>
-            <a:pPr marL="228600" marR="0" algn="ctr">
-              <a:lnSpc>
-                <a:spcPct val="115000"/>
-              </a:lnSpc>
-              <a:spcBef>
-                <a:spcPts val="0"/>
-              </a:spcBef>
-              <a:spcAft>
-                <a:spcPts val="0"/>
-              </a:spcAft>
-            </a:pPr>
-            <a:r>
-              <a:rPr lang="en-US" i="1" dirty="0">
-                <a:solidFill>
-                  <a:srgbClr val="333333"/>
-                </a:solidFill>
-                <a:latin typeface="Calibri" panose="020F0502020204030204" pitchFamily="34" charset="0"/>
-                <a:ea typeface="Times New Roman" panose="02020603050405020304" pitchFamily="18" charset="0"/>
-                <a:cs typeface="Helvetica" panose="020B0604020202020204" pitchFamily="34" charset="0"/>
-              </a:rPr>
-              <a:t>Table - State wise Projects vs Donations</a:t>
-            </a:r>
-            <a:endParaRPr lang="en-US" sz="1400" dirty="0">
-              <a:solidFill>
-                <a:srgbClr val="444444"/>
-              </a:solidFill>
-              <a:effectLst/>
-              <a:latin typeface="Arial" panose="020B0604020202020204" pitchFamily="34" charset="0"/>
-              <a:ea typeface="Times New Roman" panose="02020603050405020304" pitchFamily="18" charset="0"/>
-              <a:cs typeface="Times New Roman" panose="02020603050405020304" pitchFamily="18" charset="0"/>
-            </a:endParaRPr>
           </a:p>
         </p:txBody>
       </p:sp>
     </p:spTree>
     <p:extLst>
       <p:ext uri="{BB962C8B-B14F-4D97-AF65-F5344CB8AC3E}">
-        <p14:creationId xmlns:p14="http://schemas.microsoft.com/office/powerpoint/2010/main" val="50946932"/>
+        <p14:creationId xmlns:p14="http://schemas.microsoft.com/office/powerpoint/2010/main" val="3009599304"/>
       </p:ext>
     </p:extLst>
   </p:cSld>
   <p:clrMapOvr>
     <a:masterClrMapping/>
   </p:clrMapOvr>
-  <p:timing>
-    <p:tnLst>
-      <p:par>
-        <p:cTn id="1" dur="indefinite" restart="never" nodeType="tmRoot"/>
-      </p:par>
-    </p:tnLst>
-  </p:timing>
 </p:sld>
 </file>
 
@@ -3275,520 +3193,6 @@
         </p:nvSpPr>
         <p:spPr>
           <a:xfrm>
-            <a:off x="838200" y="365125"/>
-            <a:ext cx="10515600" cy="1006475"/>
-          </a:xfrm>
-        </p:spPr>
-        <p:txBody>
-          <a:bodyPr/>
-          <a:lstStyle/>
-          <a:p>
-            <a:pPr algn="ctr"/>
-            <a:r>
-              <a:rPr lang="en-US" dirty="0" smtClean="0"/>
-              <a:t>Exploratory Data Analysis</a:t>
-            </a:r>
-            <a:endParaRPr lang="en-US" dirty="0"/>
-          </a:p>
-        </p:txBody>
-      </p:sp>
-      <p:pic>
-        <p:nvPicPr>
-          <p:cNvPr id="4" name="Content Placeholder 3"/>
-          <p:cNvPicPr>
-            <a:picLocks noGrp="1"/>
-          </p:cNvPicPr>
-          <p:nvPr>
-            <p:ph idx="1"/>
-          </p:nvPr>
-        </p:nvPicPr>
-        <p:blipFill>
-          <a:blip r:embed="rId2"/>
-          <a:stretch>
-            <a:fillRect/>
-          </a:stretch>
-        </p:blipFill>
-        <p:spPr>
-          <a:xfrm>
-            <a:off x="1596318" y="1483823"/>
-            <a:ext cx="2432049" cy="1968169"/>
-          </a:xfrm>
-          <a:prstGeom prst="rect">
-            <a:avLst/>
-          </a:prstGeom>
-        </p:spPr>
-      </p:pic>
-      <p:pic>
-        <p:nvPicPr>
-          <p:cNvPr id="5" name="Picture 4"/>
-          <p:cNvPicPr/>
-          <p:nvPr/>
-        </p:nvPicPr>
-        <p:blipFill>
-          <a:blip r:embed="rId3"/>
-          <a:stretch>
-            <a:fillRect/>
-          </a:stretch>
-        </p:blipFill>
-        <p:spPr>
-          <a:xfrm>
-            <a:off x="7176812" y="1494280"/>
-            <a:ext cx="2273300" cy="1968169"/>
-          </a:xfrm>
-          <a:prstGeom prst="rect">
-            <a:avLst/>
-          </a:prstGeom>
-        </p:spPr>
-      </p:pic>
-      <p:sp>
-        <p:nvSpPr>
-          <p:cNvPr id="6" name="Rectangle 5"/>
-          <p:cNvSpPr/>
-          <p:nvPr/>
-        </p:nvSpPr>
-        <p:spPr>
-          <a:xfrm>
-            <a:off x="838200" y="3585130"/>
-            <a:ext cx="3948286" cy="307777"/>
-          </a:xfrm>
-          <a:prstGeom prst="rect">
-            <a:avLst/>
-          </a:prstGeom>
-        </p:spPr>
-        <p:txBody>
-          <a:bodyPr wrap="square">
-            <a:spAutoFit/>
-          </a:bodyPr>
-          <a:lstStyle/>
-          <a:p>
-            <a:r>
-              <a:rPr lang="en-US" sz="1400" i="1" dirty="0">
-                <a:solidFill>
-                  <a:srgbClr val="333333"/>
-                </a:solidFill>
-                <a:latin typeface="Calibri" panose="020F0502020204030204" pitchFamily="34" charset="0"/>
-                <a:ea typeface="Times New Roman" panose="02020603050405020304" pitchFamily="18" charset="0"/>
-                <a:cs typeface="Helvetica" panose="020B0604020202020204" pitchFamily="34" charset="0"/>
-              </a:rPr>
-              <a:t>Top 5 donations for a project in District of Columbia  </a:t>
-            </a:r>
-            <a:endParaRPr lang="en-US" sz="1400" dirty="0"/>
-          </a:p>
-        </p:txBody>
-      </p:sp>
-      <p:sp>
-        <p:nvSpPr>
-          <p:cNvPr id="7" name="Rectangle 6"/>
-          <p:cNvSpPr/>
-          <p:nvPr/>
-        </p:nvSpPr>
-        <p:spPr>
-          <a:xfrm>
-            <a:off x="6873324" y="3576268"/>
-            <a:ext cx="2880276" cy="307777"/>
-          </a:xfrm>
-          <a:prstGeom prst="rect">
-            <a:avLst/>
-          </a:prstGeom>
-        </p:spPr>
-        <p:txBody>
-          <a:bodyPr wrap="none">
-            <a:spAutoFit/>
-          </a:bodyPr>
-          <a:lstStyle/>
-          <a:p>
-            <a:r>
-              <a:rPr lang="en-US" sz="1400" i="1" dirty="0">
-                <a:solidFill>
-                  <a:srgbClr val="333333"/>
-                </a:solidFill>
-                <a:latin typeface="Calibri" panose="020F0502020204030204" pitchFamily="34" charset="0"/>
-                <a:ea typeface="Times New Roman" panose="02020603050405020304" pitchFamily="18" charset="0"/>
-                <a:cs typeface="Helvetica" panose="020B0604020202020204" pitchFamily="34" charset="0"/>
-              </a:rPr>
-              <a:t> Top 5 donations for a project in Iowa</a:t>
-            </a:r>
-            <a:endParaRPr lang="en-US" sz="1400" dirty="0"/>
-          </a:p>
-        </p:txBody>
-      </p:sp>
-      <p:sp>
-        <p:nvSpPr>
-          <p:cNvPr id="9" name="TextBox 8"/>
-          <p:cNvSpPr txBox="1"/>
-          <p:nvPr/>
-        </p:nvSpPr>
-        <p:spPr>
-          <a:xfrm>
-            <a:off x="571500" y="4152900"/>
-            <a:ext cx="11252200" cy="1908215"/>
-          </a:xfrm>
-          <a:prstGeom prst="rect">
-            <a:avLst/>
-          </a:prstGeom>
-          <a:noFill/>
-        </p:spPr>
-        <p:txBody>
-          <a:bodyPr wrap="square" rtlCol="0">
-            <a:spAutoFit/>
-          </a:bodyPr>
-          <a:lstStyle/>
-          <a:p>
-            <a:pPr marL="285750" indent="-285750">
-              <a:buFont typeface="Arial" panose="020B0604020202020204" pitchFamily="34" charset="0"/>
-              <a:buChar char="•"/>
-            </a:pPr>
-            <a:r>
-              <a:rPr lang="en-US" sz="2000" dirty="0" smtClean="0"/>
-              <a:t>Definite correlation between state of a donor and state of a project</a:t>
-            </a:r>
-            <a:endParaRPr lang="en-US" sz="2000" dirty="0"/>
-          </a:p>
-          <a:p>
-            <a:pPr marL="285750" indent="-285750">
-              <a:buFont typeface="Arial" panose="020B0604020202020204" pitchFamily="34" charset="0"/>
-              <a:buChar char="•"/>
-            </a:pPr>
-            <a:r>
-              <a:rPr lang="en-US" sz="2000" dirty="0" smtClean="0"/>
-              <a:t>Suggestion to DonorsChoose.org- </a:t>
-            </a:r>
-          </a:p>
-          <a:p>
-            <a:pPr lvl="1"/>
-            <a:r>
-              <a:rPr lang="en-US" sz="2000" i="1" dirty="0" smtClean="0"/>
-              <a:t>If </a:t>
-            </a:r>
-            <a:r>
-              <a:rPr lang="en-US" sz="2000" i="1" dirty="0"/>
-              <a:t>DonorsChoose.org decide to build a </a:t>
-            </a:r>
-            <a:r>
-              <a:rPr lang="en-US" sz="2000" b="1" i="1" dirty="0"/>
-              <a:t>recommendation</a:t>
-            </a:r>
-            <a:r>
-              <a:rPr lang="en-US" sz="2000" i="1" dirty="0"/>
-              <a:t> system that recommend projects to </a:t>
-            </a:r>
-            <a:r>
-              <a:rPr lang="en-US" sz="2000" i="1" dirty="0" smtClean="0"/>
-              <a:t>donors </a:t>
-            </a:r>
-            <a:r>
-              <a:rPr lang="en-US" sz="2000" i="1" dirty="0"/>
-              <a:t>based on their interests, the state in which the donor resides could play an important </a:t>
-            </a:r>
-            <a:r>
-              <a:rPr lang="en-US" sz="2000" i="1" dirty="0" smtClean="0"/>
-              <a:t>feature, </a:t>
-            </a:r>
-            <a:r>
-              <a:rPr lang="en-US" sz="2000" i="1" dirty="0"/>
-              <a:t>as Donors generally prefer a project in their </a:t>
-            </a:r>
-            <a:r>
-              <a:rPr lang="en-US" sz="2000" b="1" i="1" dirty="0"/>
-              <a:t>own</a:t>
-            </a:r>
-            <a:r>
-              <a:rPr lang="en-US" sz="2000" i="1" dirty="0"/>
-              <a:t> state or a </a:t>
-            </a:r>
-            <a:r>
-              <a:rPr lang="en-US" sz="2000" b="1" i="1" dirty="0"/>
-              <a:t>neighboring</a:t>
-            </a:r>
-            <a:r>
-              <a:rPr lang="en-US" sz="2000" i="1" dirty="0"/>
-              <a:t> state.</a:t>
-            </a:r>
-          </a:p>
-          <a:p>
-            <a:pPr marL="285750" indent="-285750">
-              <a:buFont typeface="Arial" panose="020B0604020202020204" pitchFamily="34" charset="0"/>
-              <a:buChar char="•"/>
-            </a:pPr>
-            <a:endParaRPr lang="en-US" dirty="0"/>
-          </a:p>
-        </p:txBody>
-      </p:sp>
-    </p:spTree>
-    <p:extLst>
-      <p:ext uri="{BB962C8B-B14F-4D97-AF65-F5344CB8AC3E}">
-        <p14:creationId xmlns:p14="http://schemas.microsoft.com/office/powerpoint/2010/main" val="371786314"/>
-      </p:ext>
-    </p:extLst>
-  </p:cSld>
-  <p:clrMapOvr>
-    <a:masterClrMapping/>
-  </p:clrMapOvr>
-  <p:timing>
-    <p:tnLst>
-      <p:par>
-        <p:cTn id="1" dur="indefinite" restart="never" nodeType="tmRoot"/>
-      </p:par>
-    </p:tnLst>
-  </p:timing>
-</p:sld>
-</file>
-
-<file path=ppt/slides/slide12.xml><?xml version="1.0" encoding="utf-8"?>
-<p:sld xmlns:a="http://schemas.openxmlformats.org/drawingml/2006/main" xmlns:r="http://schemas.openxmlformats.org/officeDocument/2006/relationships" xmlns:p="http://schemas.openxmlformats.org/presentationml/2006/main">
-  <p:cSld>
-    <p:spTree>
-      <p:nvGrpSpPr>
-        <p:cNvPr id="1" name=""/>
-        <p:cNvGrpSpPr/>
-        <p:nvPr/>
-      </p:nvGrpSpPr>
-      <p:grpSpPr>
-        <a:xfrm>
-          <a:off x="0" y="0"/>
-          <a:ext cx="0" cy="0"/>
-          <a:chOff x="0" y="0"/>
-          <a:chExt cx="0" cy="0"/>
-        </a:xfrm>
-      </p:grpSpPr>
-      <p:sp>
-        <p:nvSpPr>
-          <p:cNvPr id="2" name="Title 1"/>
-          <p:cNvSpPr>
-            <a:spLocks noGrp="1"/>
-          </p:cNvSpPr>
-          <p:nvPr>
-            <p:ph type="title"/>
-          </p:nvPr>
-        </p:nvSpPr>
-        <p:spPr>
-          <a:xfrm>
-            <a:off x="825500" y="37014"/>
-            <a:ext cx="10515600" cy="499590"/>
-          </a:xfrm>
-        </p:spPr>
-        <p:txBody>
-          <a:bodyPr>
-            <a:normAutofit fontScale="90000"/>
-          </a:bodyPr>
-          <a:lstStyle/>
-          <a:p>
-            <a:pPr algn="ctr"/>
-            <a:r>
-              <a:rPr lang="en-US" dirty="0" smtClean="0"/>
-              <a:t>Exploratory Data Analysis</a:t>
-            </a:r>
-            <a:endParaRPr lang="en-US" dirty="0"/>
-          </a:p>
-        </p:txBody>
-      </p:sp>
-      <p:pic>
-        <p:nvPicPr>
-          <p:cNvPr id="4" name="Content Placeholder 3"/>
-          <p:cNvPicPr>
-            <a:picLocks noGrp="1" noChangeAspect="1"/>
-          </p:cNvPicPr>
-          <p:nvPr>
-            <p:ph idx="1"/>
-          </p:nvPr>
-        </p:nvPicPr>
-        <p:blipFill>
-          <a:blip r:embed="rId2">
-            <a:extLst>
-              <a:ext uri="{28A0092B-C50C-407E-A947-70E740481C1C}">
-                <a14:useLocalDpi xmlns:a14="http://schemas.microsoft.com/office/drawing/2010/main" val="0"/>
-              </a:ext>
-            </a:extLst>
-          </a:blip>
-          <a:stretch>
-            <a:fillRect/>
-          </a:stretch>
-        </p:blipFill>
-        <p:spPr>
-          <a:xfrm>
-            <a:off x="825500" y="655140"/>
-            <a:ext cx="10515600" cy="2887065"/>
-          </a:xfrm>
-        </p:spPr>
-      </p:pic>
-      <p:pic>
-        <p:nvPicPr>
-          <p:cNvPr id="6" name="Picture 5"/>
-          <p:cNvPicPr>
-            <a:picLocks noChangeAspect="1"/>
-          </p:cNvPicPr>
-          <p:nvPr/>
-        </p:nvPicPr>
-        <p:blipFill>
-          <a:blip r:embed="rId3"/>
-          <a:stretch>
-            <a:fillRect/>
-          </a:stretch>
-        </p:blipFill>
-        <p:spPr>
-          <a:xfrm>
-            <a:off x="998578" y="3424498"/>
-            <a:ext cx="2981839" cy="2889456"/>
-          </a:xfrm>
-          <a:prstGeom prst="rect">
-            <a:avLst/>
-          </a:prstGeom>
-        </p:spPr>
-      </p:pic>
-      <p:sp>
-        <p:nvSpPr>
-          <p:cNvPr id="7" name="Rectangle 6"/>
-          <p:cNvSpPr/>
-          <p:nvPr/>
-        </p:nvSpPr>
-        <p:spPr>
-          <a:xfrm>
-            <a:off x="998578" y="6311563"/>
-            <a:ext cx="3454400" cy="430887"/>
-          </a:xfrm>
-          <a:prstGeom prst="rect">
-            <a:avLst/>
-          </a:prstGeom>
-        </p:spPr>
-        <p:txBody>
-          <a:bodyPr wrap="square">
-            <a:spAutoFit/>
-          </a:bodyPr>
-          <a:lstStyle/>
-          <a:p>
-            <a:r>
-              <a:rPr lang="en-US" sz="1050" i="1" dirty="0" smtClean="0">
-                <a:solidFill>
-                  <a:srgbClr val="333333"/>
-                </a:solidFill>
-                <a:effectLst/>
-                <a:latin typeface="Helvetica Neue"/>
-              </a:rPr>
-              <a:t>U.S. Census Bureau’s 2014 American Community Survey (ACS)</a:t>
-            </a:r>
-            <a:endParaRPr lang="en-US" sz="1050" i="1" dirty="0"/>
-          </a:p>
-        </p:txBody>
-      </p:sp>
-      <p:sp>
-        <p:nvSpPr>
-          <p:cNvPr id="8" name="TextBox 7"/>
-          <p:cNvSpPr txBox="1"/>
-          <p:nvPr/>
-        </p:nvSpPr>
-        <p:spPr>
-          <a:xfrm>
-            <a:off x="4233007" y="3780555"/>
-            <a:ext cx="7267493" cy="1938992"/>
-          </a:xfrm>
-          <a:prstGeom prst="rect">
-            <a:avLst/>
-          </a:prstGeom>
-          <a:noFill/>
-        </p:spPr>
-        <p:txBody>
-          <a:bodyPr wrap="square" rtlCol="0">
-            <a:spAutoFit/>
-          </a:bodyPr>
-          <a:lstStyle/>
-          <a:p>
-            <a:pPr marL="342900" indent="-342900">
-              <a:buFont typeface="Arial" panose="020B0604020202020204" pitchFamily="34" charset="0"/>
-              <a:buChar char="•"/>
-            </a:pPr>
-            <a:r>
-              <a:rPr lang="en-US" sz="2400" dirty="0" smtClean="0"/>
-              <a:t>Correlation between average median household income of a state and project success rate in a state</a:t>
-            </a:r>
-          </a:p>
-          <a:p>
-            <a:pPr marL="342900" indent="-342900">
-              <a:buFont typeface="Arial" panose="020B0604020202020204" pitchFamily="34" charset="0"/>
-              <a:buChar char="•"/>
-            </a:pPr>
-            <a:r>
-              <a:rPr lang="en-US" sz="2400" dirty="0" smtClean="0"/>
-              <a:t>Rich states are marked in </a:t>
-            </a:r>
-            <a:r>
-              <a:rPr lang="en-US" sz="2400" dirty="0" smtClean="0">
-                <a:solidFill>
-                  <a:schemeClr val="accent6"/>
-                </a:solidFill>
-              </a:rPr>
-              <a:t>green</a:t>
-            </a:r>
-            <a:r>
-              <a:rPr lang="en-US" sz="2400" dirty="0" smtClean="0"/>
-              <a:t> and Poor states are marked in </a:t>
-            </a:r>
-            <a:r>
-              <a:rPr lang="en-US" sz="2400" dirty="0" smtClean="0">
-                <a:solidFill>
-                  <a:srgbClr val="FF0000"/>
-                </a:solidFill>
-              </a:rPr>
-              <a:t>red</a:t>
-            </a:r>
-          </a:p>
-          <a:p>
-            <a:pPr marL="285750" indent="-285750">
-              <a:buFont typeface="Arial" panose="020B0604020202020204" pitchFamily="34" charset="0"/>
-              <a:buChar char="•"/>
-            </a:pPr>
-            <a:endParaRPr lang="en-US" sz="2400" dirty="0"/>
-          </a:p>
-        </p:txBody>
-      </p:sp>
-    </p:spTree>
-    <p:extLst>
-      <p:ext uri="{BB962C8B-B14F-4D97-AF65-F5344CB8AC3E}">
-        <p14:creationId xmlns:p14="http://schemas.microsoft.com/office/powerpoint/2010/main" val="2103070429"/>
-      </p:ext>
-    </p:extLst>
-  </p:cSld>
-  <p:clrMapOvr>
-    <a:masterClrMapping/>
-  </p:clrMapOvr>
-  <p:timing>
-    <p:tnLst>
-      <p:par>
-        <p:cTn id="1" dur="indefinite" restart="never" nodeType="tmRoot"/>
-      </p:par>
-    </p:tnLst>
-  </p:timing>
-</p:sld>
-</file>
-
-<file path=ppt/slides/slide13.xml><?xml version="1.0" encoding="utf-8"?>
-<p:sld xmlns:a="http://schemas.openxmlformats.org/drawingml/2006/main" xmlns:r="http://schemas.openxmlformats.org/officeDocument/2006/relationships" xmlns:p="http://schemas.openxmlformats.org/presentationml/2006/main">
-  <p:cSld>
-    <p:spTree>
-      <p:nvGrpSpPr>
-        <p:cNvPr id="1" name=""/>
-        <p:cNvGrpSpPr/>
-        <p:nvPr/>
-      </p:nvGrpSpPr>
-      <p:grpSpPr>
-        <a:xfrm>
-          <a:off x="0" y="0"/>
-          <a:ext cx="0" cy="0"/>
-          <a:chOff x="0" y="0"/>
-          <a:chExt cx="0" cy="0"/>
-        </a:xfrm>
-      </p:grpSpPr>
-      <p:sp>
-        <p:nvSpPr>
-          <p:cNvPr id="2" name="Title 1"/>
-          <p:cNvSpPr>
-            <a:spLocks noGrp="1"/>
-          </p:cNvSpPr>
-          <p:nvPr>
-            <p:ph type="title"/>
-          </p:nvPr>
-        </p:nvSpPr>
-        <p:spPr>
-          <a:xfrm>
             <a:off x="838200" y="190501"/>
             <a:ext cx="10515600" cy="1135064"/>
           </a:xfrm>
@@ -3801,11 +3205,11 @@
           <a:p>
             <a:pPr algn="ctr"/>
             <a:r>
-              <a:rPr lang="en-US" dirty="0" smtClean="0"/>
-              <a:t>Exploratory Data Analysis </a:t>
+              <a:rPr lang="en-US" dirty="0"/>
+              <a:t>Preliminary Analysis </a:t>
             </a:r>
             <a:br>
-              <a:rPr lang="en-US" dirty="0" smtClean="0"/>
+              <a:rPr lang="en-US" dirty="0"/>
             </a:br>
             <a:endParaRPr lang="en-US" sz="2700" dirty="0"/>
           </a:p>
@@ -3921,54 +3325,312 @@
           <a:lstStyle/>
           <a:p>
             <a:r>
-              <a:rPr lang="en-US" i="1" dirty="0" err="1" smtClean="0"/>
+              <a:rPr lang="en-US" i="1" dirty="0" err="1"/>
               <a:t>donor_teacher_project</a:t>
             </a:r>
             <a:r>
-              <a:rPr lang="en-US" dirty="0" smtClean="0"/>
+              <a:rPr lang="en-US" dirty="0"/>
               <a:t> – Teachers donating to their own projects</a:t>
             </a:r>
           </a:p>
           <a:p>
             <a:r>
-              <a:rPr lang="en-US" i="1" dirty="0" err="1" smtClean="0"/>
+              <a:rPr lang="en-US" i="1" dirty="0" err="1"/>
               <a:t>donor_teacher_other</a:t>
             </a:r>
             <a:r>
-              <a:rPr lang="en-US" dirty="0" smtClean="0"/>
+              <a:rPr lang="en-US" dirty="0"/>
               <a:t> – Teachers donation to other projects</a:t>
             </a:r>
           </a:p>
           <a:p>
             <a:r>
-              <a:rPr lang="en-US" i="1" dirty="0" err="1" smtClean="0"/>
+              <a:rPr lang="en-US" i="1" dirty="0" err="1"/>
               <a:t>donor_other</a:t>
             </a:r>
             <a:r>
-              <a:rPr lang="en-US" dirty="0" smtClean="0"/>
+              <a:rPr lang="en-US" dirty="0"/>
               <a:t> – Donors other than teachers</a:t>
             </a:r>
-            <a:endParaRPr lang="en-US" dirty="0"/>
           </a:p>
         </p:txBody>
       </p:sp>
     </p:spTree>
     <p:extLst>
       <p:ext uri="{BB962C8B-B14F-4D97-AF65-F5344CB8AC3E}">
-        <p14:creationId xmlns:p14="http://schemas.microsoft.com/office/powerpoint/2010/main" val="3204879928"/>
+        <p14:creationId xmlns:p14="http://schemas.microsoft.com/office/powerpoint/2010/main" val="3258213505"/>
       </p:ext>
     </p:extLst>
   </p:cSld>
   <p:clrMapOvr>
     <a:masterClrMapping/>
   </p:clrMapOvr>
-  <p:timing>
-    <p:tnLst>
-      <p:par>
-        <p:cTn id="1" dur="indefinite" restart="never" nodeType="tmRoot"/>
-      </p:par>
-    </p:tnLst>
-  </p:timing>
+</p:sld>
+</file>
+
+<file path=ppt/slides/slide12.xml><?xml version="1.0" encoding="utf-8"?>
+<p:sld xmlns:a="http://schemas.openxmlformats.org/drawingml/2006/main" xmlns:r="http://schemas.openxmlformats.org/officeDocument/2006/relationships" xmlns:p="http://schemas.openxmlformats.org/presentationml/2006/main">
+  <p:cSld>
+    <p:spTree>
+      <p:nvGrpSpPr>
+        <p:cNvPr id="1" name=""/>
+        <p:cNvGrpSpPr/>
+        <p:nvPr/>
+      </p:nvGrpSpPr>
+      <p:grpSpPr>
+        <a:xfrm>
+          <a:off x="0" y="0"/>
+          <a:ext cx="0" cy="0"/>
+          <a:chOff x="0" y="0"/>
+          <a:chExt cx="0" cy="0"/>
+        </a:xfrm>
+      </p:grpSpPr>
+      <p:sp>
+        <p:nvSpPr>
+          <p:cNvPr id="2" name="Title 1"/>
+          <p:cNvSpPr>
+            <a:spLocks noGrp="1"/>
+          </p:cNvSpPr>
+          <p:nvPr>
+            <p:ph type="title"/>
+          </p:nvPr>
+        </p:nvSpPr>
+        <p:spPr>
+          <a:xfrm>
+            <a:off x="838200" y="190501"/>
+            <a:ext cx="10515600" cy="1135064"/>
+          </a:xfrm>
+        </p:spPr>
+        <p:txBody>
+          <a:bodyPr>
+            <a:normAutofit/>
+          </a:bodyPr>
+          <a:lstStyle/>
+          <a:p>
+            <a:pPr algn="ctr"/>
+            <a:r>
+              <a:rPr lang="en-US" dirty="0"/>
+              <a:t>Preliminary Analysis </a:t>
+            </a:r>
+            <a:br>
+              <a:rPr lang="en-US" dirty="0"/>
+            </a:br>
+            <a:endParaRPr lang="en-US" sz="2700" dirty="0"/>
+          </a:p>
+        </p:txBody>
+      </p:sp>
+      <p:sp>
+        <p:nvSpPr>
+          <p:cNvPr id="6" name="Rectangle 5"/>
+          <p:cNvSpPr/>
+          <p:nvPr/>
+        </p:nvSpPr>
+        <p:spPr>
+          <a:xfrm>
+            <a:off x="673100" y="1113929"/>
+            <a:ext cx="9855200" cy="461665"/>
+          </a:xfrm>
+          <a:prstGeom prst="rect">
+            <a:avLst/>
+          </a:prstGeom>
+        </p:spPr>
+        <p:txBody>
+          <a:bodyPr wrap="square">
+            <a:spAutoFit/>
+          </a:bodyPr>
+          <a:lstStyle/>
+          <a:p>
+            <a:r>
+              <a:rPr lang="en-US" sz="2400" dirty="0"/>
+              <a:t>Plot between donor category and project duration and donation amount</a:t>
+            </a:r>
+          </a:p>
+        </p:txBody>
+      </p:sp>
+      <p:sp>
+        <p:nvSpPr>
+          <p:cNvPr id="3" name="Content Placeholder 2"/>
+          <p:cNvSpPr>
+            <a:spLocks noGrp="1"/>
+          </p:cNvSpPr>
+          <p:nvPr>
+            <p:ph idx="1"/>
+          </p:nvPr>
+        </p:nvSpPr>
+        <p:spPr/>
+        <p:txBody>
+          <a:bodyPr>
+            <a:normAutofit/>
+          </a:bodyPr>
+          <a:lstStyle/>
+          <a:p>
+            <a:pPr marL="0" indent="0">
+              <a:buNone/>
+            </a:pPr>
+            <a:r>
+              <a:rPr lang="en-US" sz="2400" dirty="0"/>
+              <a:t>Observations – </a:t>
+            </a:r>
+          </a:p>
+          <a:p>
+            <a:r>
+              <a:rPr lang="en-US" sz="2400" dirty="0"/>
+              <a:t>A person who is not a teacher is likely to be more generous than a teacher.</a:t>
+            </a:r>
+          </a:p>
+          <a:p>
+            <a:r>
+              <a:rPr lang="en-US" sz="2400" dirty="0"/>
+              <a:t>There are a lot of teachers who donate a significant amount to their own projects. </a:t>
+            </a:r>
+          </a:p>
+          <a:p>
+            <a:r>
+              <a:rPr lang="en-US" sz="2400" dirty="0"/>
+              <a:t>Teachers contribute very less to projects that they don't own.</a:t>
+            </a:r>
+          </a:p>
+          <a:p>
+            <a:r>
+              <a:rPr lang="en-US" sz="2400" dirty="0"/>
+              <a:t>There is a possibility of a teacher donating a significant amount to his/her project to meet the funding requirement and hence the duration of the project is much less compared to other projects</a:t>
+            </a:r>
+          </a:p>
+        </p:txBody>
+      </p:sp>
+    </p:spTree>
+    <p:extLst>
+      <p:ext uri="{BB962C8B-B14F-4D97-AF65-F5344CB8AC3E}">
+        <p14:creationId xmlns:p14="http://schemas.microsoft.com/office/powerpoint/2010/main" val="1837205501"/>
+      </p:ext>
+    </p:extLst>
+  </p:cSld>
+  <p:clrMapOvr>
+    <a:masterClrMapping/>
+  </p:clrMapOvr>
+</p:sld>
+</file>
+
+<file path=ppt/slides/slide13.xml><?xml version="1.0" encoding="utf-8"?>
+<p:sld xmlns:a="http://schemas.openxmlformats.org/drawingml/2006/main" xmlns:r="http://schemas.openxmlformats.org/officeDocument/2006/relationships" xmlns:p="http://schemas.openxmlformats.org/presentationml/2006/main">
+  <p:cSld>
+    <p:spTree>
+      <p:nvGrpSpPr>
+        <p:cNvPr id="1" name=""/>
+        <p:cNvGrpSpPr/>
+        <p:nvPr/>
+      </p:nvGrpSpPr>
+      <p:grpSpPr>
+        <a:xfrm>
+          <a:off x="0" y="0"/>
+          <a:ext cx="0" cy="0"/>
+          <a:chOff x="0" y="0"/>
+          <a:chExt cx="0" cy="0"/>
+        </a:xfrm>
+      </p:grpSpPr>
+      <p:sp>
+        <p:nvSpPr>
+          <p:cNvPr id="2" name="Title 1"/>
+          <p:cNvSpPr>
+            <a:spLocks noGrp="1"/>
+          </p:cNvSpPr>
+          <p:nvPr>
+            <p:ph type="title"/>
+          </p:nvPr>
+        </p:nvSpPr>
+        <p:spPr>
+          <a:xfrm>
+            <a:off x="838200" y="237904"/>
+            <a:ext cx="10515600" cy="1325563"/>
+          </a:xfrm>
+        </p:spPr>
+        <p:txBody>
+          <a:bodyPr/>
+          <a:lstStyle/>
+          <a:p>
+            <a:pPr algn="ctr"/>
+            <a:r>
+              <a:rPr lang="en-US" dirty="0"/>
+              <a:t>Model</a:t>
+            </a:r>
+          </a:p>
+        </p:txBody>
+      </p:sp>
+      <p:sp>
+        <p:nvSpPr>
+          <p:cNvPr id="3" name="Content Placeholder 2"/>
+          <p:cNvSpPr>
+            <a:spLocks noGrp="1"/>
+          </p:cNvSpPr>
+          <p:nvPr>
+            <p:ph idx="1"/>
+          </p:nvPr>
+        </p:nvSpPr>
+        <p:spPr>
+          <a:xfrm>
+            <a:off x="838200" y="1563467"/>
+            <a:ext cx="10515600" cy="4351338"/>
+          </a:xfrm>
+        </p:spPr>
+        <p:txBody>
+          <a:bodyPr>
+            <a:normAutofit/>
+          </a:bodyPr>
+          <a:lstStyle/>
+          <a:p>
+            <a:r>
+              <a:rPr lang="en-US" dirty="0"/>
+              <a:t>Chose Decision tree mainly because of the dependencies that exist among different input features</a:t>
+            </a:r>
+          </a:p>
+          <a:p>
+            <a:r>
+              <a:rPr lang="en-US" dirty="0"/>
+              <a:t>For better results, used an ensemble approach of </a:t>
+            </a:r>
+            <a:r>
+              <a:rPr lang="en-US" b="1" dirty="0"/>
+              <a:t>Random Forest Model</a:t>
+            </a:r>
+          </a:p>
+          <a:p>
+            <a:r>
+              <a:rPr lang="en-US" dirty="0"/>
+              <a:t>Used a 5 fold cross validated grid search to make an exhaustive search over input parameters</a:t>
+            </a:r>
+          </a:p>
+          <a:p>
+            <a:r>
+              <a:rPr lang="en-US" dirty="0"/>
+              <a:t>Scoring function used was </a:t>
+            </a:r>
+            <a:r>
+              <a:rPr lang="en-US" b="1" dirty="0"/>
+              <a:t>f1score </a:t>
+            </a:r>
+            <a:r>
+              <a:rPr lang="en-US" dirty="0"/>
+              <a:t>which is a weighted average of precision and recall</a:t>
+            </a:r>
+          </a:p>
+          <a:p>
+            <a:r>
+              <a:rPr lang="en-US" dirty="0"/>
+              <a:t>60% training and 40% testing </a:t>
+            </a:r>
+          </a:p>
+        </p:txBody>
+      </p:sp>
+    </p:spTree>
+    <p:extLst>
+      <p:ext uri="{BB962C8B-B14F-4D97-AF65-F5344CB8AC3E}">
+        <p14:creationId xmlns:p14="http://schemas.microsoft.com/office/powerpoint/2010/main" val="4241641143"/>
+      </p:ext>
+    </p:extLst>
+  </p:cSld>
+  <p:clrMapOvr>
+    <a:masterClrMapping/>
+  </p:clrMapOvr>
 </p:sld>
 </file>
 
@@ -4001,326 +3663,6 @@
         </p:nvSpPr>
         <p:spPr>
           <a:xfrm>
-            <a:off x="838200" y="190501"/>
-            <a:ext cx="10515600" cy="1135064"/>
-          </a:xfrm>
-        </p:spPr>
-        <p:txBody>
-          <a:bodyPr>
-            <a:normAutofit/>
-          </a:bodyPr>
-          <a:lstStyle/>
-          <a:p>
-            <a:pPr algn="ctr"/>
-            <a:r>
-              <a:rPr lang="en-US" dirty="0" smtClean="0"/>
-              <a:t>Exploratory Data Analysis </a:t>
-            </a:r>
-            <a:br>
-              <a:rPr lang="en-US" dirty="0" smtClean="0"/>
-            </a:br>
-            <a:endParaRPr lang="en-US" sz="2700" dirty="0"/>
-          </a:p>
-        </p:txBody>
-      </p:sp>
-      <p:sp>
-        <p:nvSpPr>
-          <p:cNvPr id="6" name="Rectangle 5"/>
-          <p:cNvSpPr/>
-          <p:nvPr/>
-        </p:nvSpPr>
-        <p:spPr>
-          <a:xfrm>
-            <a:off x="673100" y="1113929"/>
-            <a:ext cx="9855200" cy="461665"/>
-          </a:xfrm>
-          <a:prstGeom prst="rect">
-            <a:avLst/>
-          </a:prstGeom>
-        </p:spPr>
-        <p:txBody>
-          <a:bodyPr wrap="square">
-            <a:spAutoFit/>
-          </a:bodyPr>
-          <a:lstStyle/>
-          <a:p>
-            <a:r>
-              <a:rPr lang="en-US" sz="2400" dirty="0"/>
-              <a:t>Plot between donor category and project duration and donation amount</a:t>
-            </a:r>
-          </a:p>
-        </p:txBody>
-      </p:sp>
-      <p:sp>
-        <p:nvSpPr>
-          <p:cNvPr id="3" name="Content Placeholder 2"/>
-          <p:cNvSpPr>
-            <a:spLocks noGrp="1"/>
-          </p:cNvSpPr>
-          <p:nvPr>
-            <p:ph idx="1"/>
-          </p:nvPr>
-        </p:nvSpPr>
-        <p:spPr/>
-        <p:txBody>
-          <a:bodyPr>
-            <a:normAutofit/>
-          </a:bodyPr>
-          <a:lstStyle/>
-          <a:p>
-            <a:pPr marL="0" indent="0">
-              <a:buNone/>
-            </a:pPr>
-            <a:r>
-              <a:rPr lang="en-US" sz="2400" dirty="0"/>
-              <a:t>Observations – </a:t>
-            </a:r>
-          </a:p>
-          <a:p>
-            <a:r>
-              <a:rPr lang="en-US" sz="2400" dirty="0"/>
-              <a:t>A person who is not a teacher is likely to be more generous than a teacher</a:t>
-            </a:r>
-            <a:r>
-              <a:rPr lang="en-US" sz="2400" dirty="0" smtClean="0"/>
-              <a:t>.</a:t>
-            </a:r>
-          </a:p>
-          <a:p>
-            <a:r>
-              <a:rPr lang="en-US" sz="2400" dirty="0" smtClean="0"/>
-              <a:t>There </a:t>
-            </a:r>
-            <a:r>
-              <a:rPr lang="en-US" sz="2400" dirty="0"/>
-              <a:t>are a lot of teachers who donate a significant amount to their own projects. </a:t>
-            </a:r>
-            <a:endParaRPr lang="en-US" sz="2400" dirty="0" smtClean="0"/>
-          </a:p>
-          <a:p>
-            <a:r>
-              <a:rPr lang="en-US" sz="2400" dirty="0" smtClean="0"/>
-              <a:t>Teachers </a:t>
-            </a:r>
-            <a:r>
-              <a:rPr lang="en-US" sz="2400" dirty="0"/>
-              <a:t>contribute very less to projects that they don't own</a:t>
-            </a:r>
-            <a:r>
-              <a:rPr lang="en-US" sz="2400" dirty="0" smtClean="0"/>
-              <a:t>.</a:t>
-            </a:r>
-          </a:p>
-          <a:p>
-            <a:r>
-              <a:rPr lang="en-US" sz="2400" dirty="0" smtClean="0"/>
-              <a:t>There </a:t>
-            </a:r>
-            <a:r>
-              <a:rPr lang="en-US" sz="2400" dirty="0"/>
-              <a:t>is a possibility of a teacher donating a significant amount to his/her project to meet the funding requirement and hence the duration of the project is much less compared to other projects</a:t>
-            </a:r>
-          </a:p>
-        </p:txBody>
-      </p:sp>
-    </p:spTree>
-    <p:extLst>
-      <p:ext uri="{BB962C8B-B14F-4D97-AF65-F5344CB8AC3E}">
-        <p14:creationId xmlns:p14="http://schemas.microsoft.com/office/powerpoint/2010/main" val="3156297446"/>
-      </p:ext>
-    </p:extLst>
-  </p:cSld>
-  <p:clrMapOvr>
-    <a:masterClrMapping/>
-  </p:clrMapOvr>
-  <p:timing>
-    <p:tnLst>
-      <p:par>
-        <p:cTn id="1" dur="indefinite" restart="never" nodeType="tmRoot"/>
-      </p:par>
-    </p:tnLst>
-  </p:timing>
-</p:sld>
-</file>
-
-<file path=ppt/slides/slide15.xml><?xml version="1.0" encoding="utf-8"?>
-<p:sld xmlns:a="http://schemas.openxmlformats.org/drawingml/2006/main" xmlns:r="http://schemas.openxmlformats.org/officeDocument/2006/relationships" xmlns:p="http://schemas.openxmlformats.org/presentationml/2006/main">
-  <p:cSld>
-    <p:spTree>
-      <p:nvGrpSpPr>
-        <p:cNvPr id="1" name=""/>
-        <p:cNvGrpSpPr/>
-        <p:nvPr/>
-      </p:nvGrpSpPr>
-      <p:grpSpPr>
-        <a:xfrm>
-          <a:off x="0" y="0"/>
-          <a:ext cx="0" cy="0"/>
-          <a:chOff x="0" y="0"/>
-          <a:chExt cx="0" cy="0"/>
-        </a:xfrm>
-      </p:grpSpPr>
-      <p:sp>
-        <p:nvSpPr>
-          <p:cNvPr id="2" name="Title 1"/>
-          <p:cNvSpPr>
-            <a:spLocks noGrp="1"/>
-          </p:cNvSpPr>
-          <p:nvPr>
-            <p:ph type="title"/>
-          </p:nvPr>
-        </p:nvSpPr>
-        <p:spPr>
-          <a:xfrm>
-            <a:off x="838200" y="237904"/>
-            <a:ext cx="10515600" cy="1325563"/>
-          </a:xfrm>
-        </p:spPr>
-        <p:txBody>
-          <a:bodyPr/>
-          <a:lstStyle/>
-          <a:p>
-            <a:pPr algn="ctr"/>
-            <a:r>
-              <a:rPr lang="en-US" dirty="0" smtClean="0"/>
-              <a:t>Model</a:t>
-            </a:r>
-            <a:endParaRPr lang="en-US" dirty="0"/>
-          </a:p>
-        </p:txBody>
-      </p:sp>
-      <p:sp>
-        <p:nvSpPr>
-          <p:cNvPr id="3" name="Content Placeholder 2"/>
-          <p:cNvSpPr>
-            <a:spLocks noGrp="1"/>
-          </p:cNvSpPr>
-          <p:nvPr>
-            <p:ph idx="1"/>
-          </p:nvPr>
-        </p:nvSpPr>
-        <p:spPr>
-          <a:xfrm>
-            <a:off x="838200" y="1563467"/>
-            <a:ext cx="10515600" cy="4351338"/>
-          </a:xfrm>
-        </p:spPr>
-        <p:txBody>
-          <a:bodyPr/>
-          <a:lstStyle/>
-          <a:p>
-            <a:r>
-              <a:rPr lang="en-US" dirty="0" smtClean="0"/>
-              <a:t>Chose Decision tree mainly because of the dependencies that exist among different input features</a:t>
-            </a:r>
-            <a:endParaRPr lang="en-US" dirty="0"/>
-          </a:p>
-          <a:p>
-            <a:r>
-              <a:rPr lang="en-US" dirty="0" smtClean="0"/>
-              <a:t>For better results, used an ensemble approach of </a:t>
-            </a:r>
-            <a:r>
-              <a:rPr lang="en-US" b="1" dirty="0" smtClean="0"/>
-              <a:t>Random Forest Model</a:t>
-            </a:r>
-            <a:endParaRPr lang="en-US" b="1" dirty="0"/>
-          </a:p>
-          <a:p>
-            <a:r>
-              <a:rPr lang="en-US" dirty="0" smtClean="0"/>
-              <a:t>Used </a:t>
-            </a:r>
-            <a:r>
-              <a:rPr lang="en-US" dirty="0" err="1" smtClean="0"/>
-              <a:t>GridSearchCV</a:t>
-            </a:r>
-            <a:r>
-              <a:rPr lang="en-US" dirty="0" smtClean="0"/>
-              <a:t> by </a:t>
-            </a:r>
-            <a:r>
-              <a:rPr lang="en-US" dirty="0" err="1" smtClean="0"/>
-              <a:t>scikit</a:t>
-            </a:r>
-            <a:r>
-              <a:rPr lang="en-US" dirty="0" smtClean="0"/>
-              <a:t>-learn to make an exhaustive search over input parameters</a:t>
-            </a:r>
-          </a:p>
-          <a:p>
-            <a:r>
-              <a:rPr lang="en-US" dirty="0" smtClean="0"/>
-              <a:t>Scoring function used was </a:t>
-            </a:r>
-            <a:r>
-              <a:rPr lang="en-US" b="1" dirty="0" smtClean="0"/>
-              <a:t>f2score</a:t>
-            </a:r>
-          </a:p>
-          <a:p>
-            <a:r>
-              <a:rPr lang="en-US" dirty="0" smtClean="0"/>
-              <a:t>5 fold cross validation used</a:t>
-            </a:r>
-          </a:p>
-          <a:p>
-            <a:r>
-              <a:rPr lang="en-US" dirty="0" smtClean="0"/>
-              <a:t>60% training and 40% testing </a:t>
-            </a:r>
-          </a:p>
-        </p:txBody>
-      </p:sp>
-    </p:spTree>
-    <p:extLst>
-      <p:ext uri="{BB962C8B-B14F-4D97-AF65-F5344CB8AC3E}">
-        <p14:creationId xmlns:p14="http://schemas.microsoft.com/office/powerpoint/2010/main" val="2003068172"/>
-      </p:ext>
-    </p:extLst>
-  </p:cSld>
-  <p:clrMapOvr>
-    <a:masterClrMapping/>
-  </p:clrMapOvr>
-  <p:timing>
-    <p:tnLst>
-      <p:par>
-        <p:cTn id="1" dur="indefinite" restart="never" nodeType="tmRoot"/>
-      </p:par>
-    </p:tnLst>
-  </p:timing>
-</p:sld>
-</file>
-
-<file path=ppt/slides/slide16.xml><?xml version="1.0" encoding="utf-8"?>
-<p:sld xmlns:a="http://schemas.openxmlformats.org/drawingml/2006/main" xmlns:r="http://schemas.openxmlformats.org/officeDocument/2006/relationships" xmlns:p="http://schemas.openxmlformats.org/presentationml/2006/main">
-  <p:cSld>
-    <p:spTree>
-      <p:nvGrpSpPr>
-        <p:cNvPr id="1" name=""/>
-        <p:cNvGrpSpPr/>
-        <p:nvPr/>
-      </p:nvGrpSpPr>
-      <p:grpSpPr>
-        <a:xfrm>
-          <a:off x="0" y="0"/>
-          <a:ext cx="0" cy="0"/>
-          <a:chOff x="0" y="0"/>
-          <a:chExt cx="0" cy="0"/>
-        </a:xfrm>
-      </p:grpSpPr>
-      <p:sp>
-        <p:nvSpPr>
-          <p:cNvPr id="2" name="Title 1"/>
-          <p:cNvSpPr>
-            <a:spLocks noGrp="1"/>
-          </p:cNvSpPr>
-          <p:nvPr>
-            <p:ph type="title"/>
-          </p:nvPr>
-        </p:nvSpPr>
-        <p:spPr>
-          <a:xfrm>
             <a:off x="838200" y="127000"/>
             <a:ext cx="10515600" cy="850900"/>
           </a:xfrm>
@@ -4331,10 +3673,9 @@
           <a:p>
             <a:pPr algn="ctr"/>
             <a:r>
-              <a:rPr lang="en-US" dirty="0" smtClean="0"/>
+              <a:rPr lang="en-US" dirty="0"/>
               <a:t>Results</a:t>
             </a:r>
-            <a:endParaRPr lang="en-US" dirty="0"/>
           </a:p>
         </p:txBody>
       </p:sp>
@@ -4359,78 +3700,78 @@
           <a:lstStyle/>
           <a:p>
             <a:r>
-              <a:rPr lang="en-US" dirty="0" smtClean="0"/>
+              <a:rPr lang="en-US" dirty="0"/>
               <a:t>Best estimator results has</a:t>
             </a:r>
           </a:p>
           <a:p>
             <a:pPr lvl="1"/>
             <a:r>
-              <a:rPr lang="en-US" b="1" dirty="0" smtClean="0"/>
+              <a:rPr lang="en-US" b="1" dirty="0"/>
               <a:t>20 </a:t>
             </a:r>
             <a:r>
-              <a:rPr lang="en-US" dirty="0" smtClean="0"/>
+              <a:rPr lang="en-US" dirty="0"/>
               <a:t>number of trees in the forest,</a:t>
             </a:r>
-            <a:endParaRPr lang="en-US" sz="1600" dirty="0" smtClean="0"/>
+            <a:endParaRPr lang="en-US" sz="1600" dirty="0"/>
           </a:p>
           <a:p>
             <a:pPr lvl="1"/>
             <a:r>
-              <a:rPr lang="en-US" b="1" dirty="0" smtClean="0"/>
+              <a:rPr lang="en-US" b="1" dirty="0"/>
               <a:t>5 </a:t>
             </a:r>
             <a:r>
-              <a:rPr lang="en-US" dirty="0" smtClean="0"/>
+              <a:rPr lang="en-US" dirty="0"/>
               <a:t>number of features considered when looking for best split,</a:t>
             </a:r>
-            <a:endParaRPr lang="en-US" sz="1600" dirty="0" smtClean="0"/>
+            <a:endParaRPr lang="en-US" sz="1600" dirty="0"/>
           </a:p>
           <a:p>
             <a:pPr lvl="1"/>
             <a:r>
-              <a:rPr lang="en-US" b="1" dirty="0" smtClean="0"/>
+              <a:rPr lang="en-US" b="1" dirty="0"/>
               <a:t>10 </a:t>
             </a:r>
             <a:r>
-              <a:rPr lang="en-US" dirty="0" smtClean="0"/>
+              <a:rPr lang="en-US" dirty="0"/>
               <a:t>minimum number of samples in newly created leaves,</a:t>
             </a:r>
-            <a:endParaRPr lang="en-US" sz="1600" dirty="0" smtClean="0"/>
+            <a:endParaRPr lang="en-US" sz="1600" dirty="0"/>
           </a:p>
           <a:p>
             <a:pPr lvl="1"/>
             <a:r>
-              <a:rPr lang="en-US" b="1" dirty="0" smtClean="0"/>
+              <a:rPr lang="en-US" b="1" dirty="0"/>
               <a:t>2 </a:t>
             </a:r>
             <a:r>
-              <a:rPr lang="en-US" dirty="0" smtClean="0"/>
+              <a:rPr lang="en-US" dirty="0"/>
               <a:t>minimum number of samples required to split an internal node</a:t>
             </a:r>
           </a:p>
           <a:p>
             <a:r>
-              <a:rPr lang="en-US" dirty="0" smtClean="0"/>
+              <a:rPr lang="en-US" dirty="0"/>
               <a:t>Precision – 0.77</a:t>
             </a:r>
           </a:p>
           <a:p>
             <a:r>
-              <a:rPr lang="en-US" dirty="0" smtClean="0"/>
+              <a:rPr lang="en-US" dirty="0"/>
               <a:t>Recall – 0.90</a:t>
             </a:r>
           </a:p>
           <a:p>
             <a:r>
-              <a:rPr lang="en-US" dirty="0" smtClean="0"/>
+              <a:rPr lang="en-US" dirty="0"/>
               <a:t>F-Score – 0.83</a:t>
             </a:r>
           </a:p>
           <a:p>
             <a:r>
-              <a:rPr lang="en-US" dirty="0" smtClean="0"/>
+              <a:rPr lang="en-US" dirty="0"/>
               <a:t>Confusion Matrix</a:t>
             </a:r>
           </a:p>
@@ -4449,11 +3790,7 @@
             <a:graphicFrameLocks noGrp="1"/>
           </p:cNvGraphicFramePr>
           <p:nvPr>
-            <p:extLst>
-              <p:ext uri="{D42A27DB-BD31-4B8C-83A1-F6EECF244321}">
-                <p14:modId xmlns:p14="http://schemas.microsoft.com/office/powerpoint/2010/main" val="3215330993"/>
-              </p:ext>
-            </p:extLst>
+            <p:extLst/>
           </p:nvPr>
         </p:nvGraphicFramePr>
         <p:xfrm>
@@ -4507,7 +3844,7 @@
                     <a:p>
                       <a:pPr algn="ctr"/>
                       <a:r>
-                        <a:rPr lang="en-US" sz="1800" b="1" kern="1200" dirty="0" smtClean="0">
+                        <a:rPr lang="en-US" sz="1800" b="1" kern="1200" dirty="0">
                           <a:solidFill>
                             <a:schemeClr val="lt1"/>
                           </a:solidFill>
@@ -4530,7 +3867,7 @@
                     <a:p>
                       <a:pPr algn="ctr"/>
                       <a:r>
-                        <a:rPr lang="en-US" sz="1800" b="1" kern="1200" dirty="0" smtClean="0">
+                        <a:rPr lang="en-US" sz="1800" b="1" kern="1200" dirty="0">
                           <a:solidFill>
                             <a:schemeClr val="lt1"/>
                           </a:solidFill>
@@ -4560,7 +3897,7 @@
                     <a:p>
                       <a:pPr algn="ctr"/>
                       <a:r>
-                        <a:rPr lang="en-US" sz="1800" kern="1200" dirty="0" smtClean="0">
+                        <a:rPr lang="en-US" sz="1800" kern="1200" dirty="0">
                           <a:solidFill>
                             <a:schemeClr val="dk1"/>
                           </a:solidFill>
@@ -4583,10 +3920,9 @@
                     <a:p>
                       <a:pPr algn="ctr"/>
                       <a:r>
-                        <a:rPr lang="en-US" dirty="0" smtClean="0"/>
+                        <a:rPr lang="en-US" dirty="0"/>
                         <a:t>212642</a:t>
                       </a:r>
-                      <a:endParaRPr lang="en-US" dirty="0"/>
                     </a:p>
                   </a:txBody>
                   <a:tcPr/>
@@ -4598,10 +3934,9 @@
                     <a:p>
                       <a:pPr algn="ctr"/>
                       <a:r>
-                        <a:rPr lang="en-US" dirty="0" smtClean="0"/>
+                        <a:rPr lang="en-US" dirty="0"/>
                         <a:t>24600</a:t>
                       </a:r>
-                      <a:endParaRPr lang="en-US" dirty="0"/>
                     </a:p>
                   </a:txBody>
                   <a:tcPr/>
@@ -4620,7 +3955,7 @@
                     <a:p>
                       <a:pPr algn="ctr"/>
                       <a:r>
-                        <a:rPr lang="en-US" sz="1800" kern="1200" dirty="0" smtClean="0">
+                        <a:rPr lang="en-US" sz="1800" kern="1200" dirty="0">
                           <a:solidFill>
                             <a:schemeClr val="dk1"/>
                           </a:solidFill>
@@ -4643,10 +3978,9 @@
                     <a:p>
                       <a:pPr algn="ctr"/>
                       <a:r>
-                        <a:rPr lang="en-US" dirty="0" smtClean="0"/>
+                        <a:rPr lang="en-US" dirty="0"/>
                         <a:t>64262</a:t>
                       </a:r>
-                      <a:endParaRPr lang="en-US" dirty="0"/>
                     </a:p>
                   </a:txBody>
                   <a:tcPr/>
@@ -4658,10 +3992,9 @@
                     <a:p>
                       <a:pPr algn="ctr"/>
                       <a:r>
-                        <a:rPr lang="en-US" dirty="0" smtClean="0"/>
+                        <a:rPr lang="en-US" dirty="0"/>
                         <a:t>36929</a:t>
                       </a:r>
-                      <a:endParaRPr lang="en-US" dirty="0"/>
                     </a:p>
                   </a:txBody>
                   <a:tcPr/>
@@ -4679,20 +4012,375 @@
     </p:spTree>
     <p:extLst>
       <p:ext uri="{BB962C8B-B14F-4D97-AF65-F5344CB8AC3E}">
-        <p14:creationId xmlns:p14="http://schemas.microsoft.com/office/powerpoint/2010/main" val="2852688234"/>
+        <p14:creationId xmlns:p14="http://schemas.microsoft.com/office/powerpoint/2010/main" val="2313781985"/>
       </p:ext>
     </p:extLst>
   </p:cSld>
   <p:clrMapOvr>
     <a:masterClrMapping/>
   </p:clrMapOvr>
-  <p:timing>
-    <p:tnLst>
-      <p:par>
-        <p:cTn id="1" dur="indefinite" restart="never" nodeType="tmRoot"/>
-      </p:par>
-    </p:tnLst>
-  </p:timing>
+</p:sld>
+</file>
+
+<file path=ppt/slides/slide15.xml><?xml version="1.0" encoding="utf-8"?>
+<p:sld xmlns:a="http://schemas.openxmlformats.org/drawingml/2006/main" xmlns:r="http://schemas.openxmlformats.org/officeDocument/2006/relationships" xmlns:p="http://schemas.openxmlformats.org/presentationml/2006/main">
+  <p:cSld>
+    <p:spTree>
+      <p:nvGrpSpPr>
+        <p:cNvPr id="1" name=""/>
+        <p:cNvGrpSpPr/>
+        <p:nvPr/>
+      </p:nvGrpSpPr>
+      <p:grpSpPr>
+        <a:xfrm>
+          <a:off x="0" y="0"/>
+          <a:ext cx="0" cy="0"/>
+          <a:chOff x="0" y="0"/>
+          <a:chExt cx="0" cy="0"/>
+        </a:xfrm>
+      </p:grpSpPr>
+      <p:sp>
+        <p:nvSpPr>
+          <p:cNvPr id="2" name="Title 1"/>
+          <p:cNvSpPr>
+            <a:spLocks noGrp="1"/>
+          </p:cNvSpPr>
+          <p:nvPr>
+            <p:ph type="title"/>
+          </p:nvPr>
+        </p:nvSpPr>
+        <p:spPr>
+          <a:xfrm>
+            <a:off x="838200" y="139701"/>
+            <a:ext cx="10515600" cy="812163"/>
+          </a:xfrm>
+        </p:spPr>
+        <p:txBody>
+          <a:bodyPr/>
+          <a:lstStyle/>
+          <a:p>
+            <a:pPr algn="ctr"/>
+            <a:r>
+              <a:rPr lang="en-US" dirty="0"/>
+              <a:t>Results</a:t>
+            </a:r>
+          </a:p>
+        </p:txBody>
+      </p:sp>
+      <p:sp>
+        <p:nvSpPr>
+          <p:cNvPr id="3" name="Content Placeholder 2"/>
+          <p:cNvSpPr>
+            <a:spLocks noGrp="1"/>
+          </p:cNvSpPr>
+          <p:nvPr>
+            <p:ph idx="1"/>
+          </p:nvPr>
+        </p:nvSpPr>
+        <p:spPr>
+          <a:xfrm>
+            <a:off x="838200" y="951864"/>
+            <a:ext cx="10515600" cy="5225099"/>
+          </a:xfrm>
+        </p:spPr>
+        <p:txBody>
+          <a:bodyPr/>
+          <a:lstStyle/>
+          <a:p>
+            <a:pPr marL="457200" lvl="1" indent="0">
+              <a:buNone/>
+            </a:pPr>
+            <a:r>
+              <a:rPr lang="en-US" dirty="0"/>
+              <a:t>ROC curve</a:t>
+            </a:r>
+          </a:p>
+        </p:txBody>
+      </p:sp>
+      <p:pic>
+        <p:nvPicPr>
+          <p:cNvPr id="8" name="Picture 7"/>
+          <p:cNvPicPr/>
+          <p:nvPr/>
+        </p:nvPicPr>
+        <p:blipFill>
+          <a:blip r:embed="rId2"/>
+          <a:stretch>
+            <a:fillRect/>
+          </a:stretch>
+        </p:blipFill>
+        <p:spPr>
+          <a:xfrm>
+            <a:off x="2520632" y="1409701"/>
+            <a:ext cx="6432537" cy="3941527"/>
+          </a:xfrm>
+          <a:prstGeom prst="rect">
+            <a:avLst/>
+          </a:prstGeom>
+        </p:spPr>
+      </p:pic>
+      <p:sp>
+        <p:nvSpPr>
+          <p:cNvPr id="7" name="Rectangle 6"/>
+          <p:cNvSpPr/>
+          <p:nvPr/>
+        </p:nvSpPr>
+        <p:spPr>
+          <a:xfrm>
+            <a:off x="1096849" y="5752509"/>
+            <a:ext cx="4231287" cy="517065"/>
+          </a:xfrm>
+          <a:prstGeom prst="rect">
+            <a:avLst/>
+          </a:prstGeom>
+        </p:spPr>
+        <p:txBody>
+          <a:bodyPr wrap="none">
+            <a:spAutoFit/>
+          </a:bodyPr>
+          <a:lstStyle/>
+          <a:p>
+            <a:pPr marR="0" lvl="0">
+              <a:lnSpc>
+                <a:spcPct val="115000"/>
+              </a:lnSpc>
+              <a:spcBef>
+                <a:spcPts val="0"/>
+              </a:spcBef>
+              <a:spcAft>
+                <a:spcPts val="0"/>
+              </a:spcAft>
+            </a:pPr>
+            <a:r>
+              <a:rPr lang="en-US" sz="2400" dirty="0">
+                <a:solidFill>
+                  <a:srgbClr val="333333"/>
+                </a:solidFill>
+                <a:latin typeface="Calibri" panose="020F0502020204030204" pitchFamily="34" charset="0"/>
+                <a:ea typeface="Times New Roman" panose="02020603050405020304" pitchFamily="18" charset="0"/>
+                <a:cs typeface="Helvetica" panose="020B0604020202020204" pitchFamily="34" charset="0"/>
+              </a:rPr>
+              <a:t>  Area under Curve(AUC)</a:t>
+            </a:r>
+            <a:r>
+              <a:rPr lang="en-US" sz="2400" b="1" dirty="0">
+                <a:solidFill>
+                  <a:srgbClr val="333333"/>
+                </a:solidFill>
+                <a:latin typeface="Calibri" panose="020F0502020204030204" pitchFamily="34" charset="0"/>
+                <a:ea typeface="Times New Roman" panose="02020603050405020304" pitchFamily="18" charset="0"/>
+                <a:cs typeface="Helvetica" panose="020B0604020202020204" pitchFamily="34" charset="0"/>
+              </a:rPr>
+              <a:t> </a:t>
+            </a:r>
+            <a:r>
+              <a:rPr lang="en-US" sz="2400" dirty="0">
+                <a:solidFill>
+                  <a:srgbClr val="333333"/>
+                </a:solidFill>
+                <a:latin typeface="Calibri" panose="020F0502020204030204" pitchFamily="34" charset="0"/>
+                <a:ea typeface="Times New Roman" panose="02020603050405020304" pitchFamily="18" charset="0"/>
+                <a:cs typeface="Helvetica" panose="020B0604020202020204" pitchFamily="34" charset="0"/>
+              </a:rPr>
+              <a:t>– </a:t>
+            </a:r>
+            <a:r>
+              <a:rPr lang="en-US" sz="2400" b="1" dirty="0">
+                <a:solidFill>
+                  <a:srgbClr val="333333"/>
+                </a:solidFill>
+                <a:latin typeface="Calibri" panose="020F0502020204030204" pitchFamily="34" charset="0"/>
+                <a:ea typeface="Times New Roman" panose="02020603050405020304" pitchFamily="18" charset="0"/>
+                <a:cs typeface="Helvetica" panose="020B0604020202020204" pitchFamily="34" charset="0"/>
+              </a:rPr>
+              <a:t>0.755</a:t>
+            </a:r>
+            <a:endParaRPr lang="en-US" dirty="0">
+              <a:solidFill>
+                <a:srgbClr val="444444"/>
+              </a:solidFill>
+              <a:effectLst/>
+              <a:latin typeface="Arial" panose="020B0604020202020204" pitchFamily="34" charset="0"/>
+              <a:ea typeface="Times New Roman" panose="02020603050405020304" pitchFamily="18" charset="0"/>
+              <a:cs typeface="Times New Roman" panose="02020603050405020304" pitchFamily="18" charset="0"/>
+            </a:endParaRPr>
+          </a:p>
+        </p:txBody>
+      </p:sp>
+    </p:spTree>
+    <p:extLst>
+      <p:ext uri="{BB962C8B-B14F-4D97-AF65-F5344CB8AC3E}">
+        <p14:creationId xmlns:p14="http://schemas.microsoft.com/office/powerpoint/2010/main" val="289847644"/>
+      </p:ext>
+    </p:extLst>
+  </p:cSld>
+  <p:clrMapOvr>
+    <a:masterClrMapping/>
+  </p:clrMapOvr>
+</p:sld>
+</file>
+
+<file path=ppt/slides/slide16.xml><?xml version="1.0" encoding="utf-8"?>
+<p:sld xmlns:a="http://schemas.openxmlformats.org/drawingml/2006/main" xmlns:r="http://schemas.openxmlformats.org/officeDocument/2006/relationships" xmlns:p="http://schemas.openxmlformats.org/presentationml/2006/main">
+  <p:cSld>
+    <p:spTree>
+      <p:nvGrpSpPr>
+        <p:cNvPr id="1" name=""/>
+        <p:cNvGrpSpPr/>
+        <p:nvPr/>
+      </p:nvGrpSpPr>
+      <p:grpSpPr>
+        <a:xfrm>
+          <a:off x="0" y="0"/>
+          <a:ext cx="0" cy="0"/>
+          <a:chOff x="0" y="0"/>
+          <a:chExt cx="0" cy="0"/>
+        </a:xfrm>
+      </p:grpSpPr>
+      <p:sp>
+        <p:nvSpPr>
+          <p:cNvPr id="2" name="Title 1"/>
+          <p:cNvSpPr>
+            <a:spLocks noGrp="1"/>
+          </p:cNvSpPr>
+          <p:nvPr>
+            <p:ph type="title"/>
+          </p:nvPr>
+        </p:nvSpPr>
+        <p:spPr/>
+        <p:txBody>
+          <a:bodyPr/>
+          <a:lstStyle/>
+          <a:p>
+            <a:pPr algn="ctr"/>
+            <a:r>
+              <a:rPr lang="en-US" dirty="0"/>
+              <a:t>Other Analyses</a:t>
+            </a:r>
+          </a:p>
+        </p:txBody>
+      </p:sp>
+      <p:sp>
+        <p:nvSpPr>
+          <p:cNvPr id="3" name="Content Placeholder 2"/>
+          <p:cNvSpPr>
+            <a:spLocks noGrp="1"/>
+          </p:cNvSpPr>
+          <p:nvPr>
+            <p:ph idx="1"/>
+          </p:nvPr>
+        </p:nvSpPr>
+        <p:spPr>
+          <a:xfrm>
+            <a:off x="838200" y="1690688"/>
+            <a:ext cx="10515600" cy="4351338"/>
+          </a:xfrm>
+        </p:spPr>
+        <p:txBody>
+          <a:bodyPr/>
+          <a:lstStyle/>
+          <a:p>
+            <a:pPr lvl="0"/>
+            <a:r>
+              <a:rPr lang="en-US" dirty="0"/>
+              <a:t>Correlation between project’s state and donor’s state</a:t>
+            </a:r>
+          </a:p>
+          <a:p>
+            <a:pPr marL="0" indent="0">
+              <a:buNone/>
+            </a:pPr>
+            <a:endParaRPr lang="en-US" dirty="0"/>
+          </a:p>
+        </p:txBody>
+      </p:sp>
+      <p:pic>
+        <p:nvPicPr>
+          <p:cNvPr id="4" name="Picture 3"/>
+          <p:cNvPicPr/>
+          <p:nvPr/>
+        </p:nvPicPr>
+        <p:blipFill>
+          <a:blip r:embed="rId2"/>
+          <a:stretch>
+            <a:fillRect/>
+          </a:stretch>
+        </p:blipFill>
+        <p:spPr>
+          <a:xfrm>
+            <a:off x="1625599" y="2401588"/>
+            <a:ext cx="8265823" cy="3229556"/>
+          </a:xfrm>
+          <a:prstGeom prst="rect">
+            <a:avLst/>
+          </a:prstGeom>
+        </p:spPr>
+      </p:pic>
+      <p:sp>
+        <p:nvSpPr>
+          <p:cNvPr id="5" name="Rectangle 4"/>
+          <p:cNvSpPr/>
+          <p:nvPr/>
+        </p:nvSpPr>
+        <p:spPr>
+          <a:xfrm>
+            <a:off x="3562443" y="5631144"/>
+            <a:ext cx="4087336" cy="410882"/>
+          </a:xfrm>
+          <a:prstGeom prst="rect">
+            <a:avLst/>
+          </a:prstGeom>
+        </p:spPr>
+        <p:txBody>
+          <a:bodyPr wrap="none">
+            <a:spAutoFit/>
+          </a:bodyPr>
+          <a:lstStyle/>
+          <a:p>
+            <a:pPr marL="228600" marR="0" algn="ctr">
+              <a:lnSpc>
+                <a:spcPct val="115000"/>
+              </a:lnSpc>
+              <a:spcBef>
+                <a:spcPts val="0"/>
+              </a:spcBef>
+              <a:spcAft>
+                <a:spcPts val="0"/>
+              </a:spcAft>
+            </a:pPr>
+            <a:r>
+              <a:rPr lang="en-US" i="1" dirty="0">
+                <a:solidFill>
+                  <a:srgbClr val="333333"/>
+                </a:solidFill>
+                <a:latin typeface="Calibri" panose="020F0502020204030204" pitchFamily="34" charset="0"/>
+                <a:ea typeface="Times New Roman" panose="02020603050405020304" pitchFamily="18" charset="0"/>
+                <a:cs typeface="Helvetica" panose="020B0604020202020204" pitchFamily="34" charset="0"/>
+              </a:rPr>
+              <a:t>Table - State wise Projects vs Donations</a:t>
+            </a:r>
+            <a:endParaRPr lang="en-US" sz="1400" dirty="0">
+              <a:solidFill>
+                <a:srgbClr val="444444"/>
+              </a:solidFill>
+              <a:effectLst/>
+              <a:latin typeface="Arial" panose="020B0604020202020204" pitchFamily="34" charset="0"/>
+              <a:ea typeface="Times New Roman" panose="02020603050405020304" pitchFamily="18" charset="0"/>
+              <a:cs typeface="Times New Roman" panose="02020603050405020304" pitchFamily="18" charset="0"/>
+            </a:endParaRPr>
+          </a:p>
+        </p:txBody>
+      </p:sp>
+    </p:spTree>
+    <p:extLst>
+      <p:ext uri="{BB962C8B-B14F-4D97-AF65-F5344CB8AC3E}">
+        <p14:creationId xmlns:p14="http://schemas.microsoft.com/office/powerpoint/2010/main" val="50946932"/>
+      </p:ext>
+    </p:extLst>
+  </p:cSld>
+  <p:clrMapOvr>
+    <a:masterClrMapping/>
+  </p:clrMapOvr>
 </p:sld>
 </file>
 
@@ -4725,8 +4413,8 @@
         </p:nvSpPr>
         <p:spPr>
           <a:xfrm>
-            <a:off x="838200" y="139701"/>
-            <a:ext cx="10515600" cy="812163"/>
+            <a:off x="838200" y="365125"/>
+            <a:ext cx="10515600" cy="1006475"/>
           </a:xfrm>
         </p:spPr>
         <p:txBody>
@@ -4735,49 +4423,21 @@
           <a:p>
             <a:pPr algn="ctr"/>
             <a:r>
-              <a:rPr lang="en-US" dirty="0" smtClean="0"/>
-              <a:t>Results</a:t>
-            </a:r>
-            <a:endParaRPr lang="en-US" dirty="0"/>
-          </a:p>
-        </p:txBody>
-      </p:sp>
-      <p:sp>
-        <p:nvSpPr>
-          <p:cNvPr id="3" name="Content Placeholder 2"/>
-          <p:cNvSpPr>
-            <a:spLocks noGrp="1"/>
-          </p:cNvSpPr>
-          <p:nvPr>
-            <p:ph idx="1"/>
-          </p:nvPr>
-        </p:nvSpPr>
-        <p:spPr>
-          <a:xfrm>
-            <a:off x="838200" y="951864"/>
-            <a:ext cx="10515600" cy="5225099"/>
-          </a:xfrm>
-        </p:spPr>
-        <p:txBody>
-          <a:bodyPr/>
-          <a:lstStyle/>
-          <a:p>
-            <a:pPr marL="457200" lvl="1" indent="0">
-              <a:buNone/>
-            </a:pPr>
-            <a:r>
-              <a:rPr lang="en-US" dirty="0" smtClean="0"/>
-              <a:t>ROC curve</a:t>
-            </a:r>
-            <a:endParaRPr lang="en-US" dirty="0"/>
+              <a:rPr lang="en-US" dirty="0"/>
+              <a:t>Other Analyses</a:t>
+            </a:r>
           </a:p>
         </p:txBody>
       </p:sp>
       <p:pic>
         <p:nvPicPr>
-          <p:cNvPr id="8" name="Picture 7"/>
-          <p:cNvPicPr/>
-          <p:nvPr/>
+          <p:cNvPr id="4" name="Content Placeholder 3"/>
+          <p:cNvPicPr>
+            <a:picLocks noGrp="1"/>
+          </p:cNvPicPr>
+          <p:nvPr>
+            <p:ph idx="1"/>
+          </p:nvPr>
         </p:nvPicPr>
         <p:blipFill>
           <a:blip r:embed="rId2"/>
@@ -4787,48 +4447,59 @@
         </p:blipFill>
         <p:spPr>
           <a:xfrm>
-            <a:off x="2520632" y="1409701"/>
-            <a:ext cx="6432537" cy="3941527"/>
+            <a:off x="1596318" y="1483823"/>
+            <a:ext cx="2432049" cy="1968169"/>
           </a:xfrm>
           <a:prstGeom prst="rect">
             <a:avLst/>
           </a:prstGeom>
         </p:spPr>
       </p:pic>
-      <p:sp>
-        <p:nvSpPr>
-          <p:cNvPr id="7" name="Rectangle 6"/>
-          <p:cNvSpPr/>
+      <p:pic>
+        <p:nvPicPr>
+          <p:cNvPr id="5" name="Picture 4"/>
+          <p:cNvPicPr/>
           <p:nvPr/>
-        </p:nvSpPr>
-        <p:spPr>
-          <a:xfrm>
-            <a:off x="1096849" y="5752509"/>
-            <a:ext cx="4231287" cy="517065"/>
+        </p:nvPicPr>
+        <p:blipFill>
+          <a:blip r:embed="rId3"/>
+          <a:stretch>
+            <a:fillRect/>
+          </a:stretch>
+        </p:blipFill>
+        <p:spPr>
+          <a:xfrm>
+            <a:off x="7176812" y="1494280"/>
+            <a:ext cx="2273300" cy="1968169"/>
           </a:xfrm>
           <a:prstGeom prst="rect">
             <a:avLst/>
           </a:prstGeom>
         </p:spPr>
-        <p:txBody>
-          <a:bodyPr wrap="none">
+      </p:pic>
+      <p:sp>
+        <p:nvSpPr>
+          <p:cNvPr id="6" name="Rectangle 5"/>
+          <p:cNvSpPr/>
+          <p:nvPr/>
+        </p:nvSpPr>
+        <p:spPr>
+          <a:xfrm>
+            <a:off x="838200" y="3585130"/>
+            <a:ext cx="3948286" cy="307777"/>
+          </a:xfrm>
+          <a:prstGeom prst="rect">
+            <a:avLst/>
+          </a:prstGeom>
+        </p:spPr>
+        <p:txBody>
+          <a:bodyPr wrap="square">
             <a:spAutoFit/>
           </a:bodyPr>
           <a:lstStyle/>
           <a:p>
-            <a:pPr marR="0" lvl="0">
-              <a:lnSpc>
-                <a:spcPct val="115000"/>
-              </a:lnSpc>
-              <a:spcBef>
-                <a:spcPts val="0"/>
-              </a:spcBef>
-              <a:spcAft>
-                <a:spcPts val="0"/>
-              </a:spcAft>
-            </a:pPr>
-            <a:r>
-              <a:rPr lang="en-US" sz="2400" dirty="0" smtClean="0">
+            <a:r>
+              <a:rPr lang="en-US" sz="1400" i="1" dirty="0">
                 <a:solidFill>
                   <a:srgbClr val="333333"/>
                 </a:solidFill>
@@ -4836,10 +4507,35 @@
                 <a:ea typeface="Times New Roman" panose="02020603050405020304" pitchFamily="18" charset="0"/>
                 <a:cs typeface="Helvetica" panose="020B0604020202020204" pitchFamily="34" charset="0"/>
               </a:rPr>
-              <a:t>  Area </a:t>
-            </a:r>
-            <a:r>
-              <a:rPr lang="en-US" sz="2400" dirty="0">
+              <a:t>Top 5 donations for a project in District of Columbia  </a:t>
+            </a:r>
+            <a:endParaRPr lang="en-US" sz="1400" dirty="0"/>
+          </a:p>
+        </p:txBody>
+      </p:sp>
+      <p:sp>
+        <p:nvSpPr>
+          <p:cNvPr id="7" name="Rectangle 6"/>
+          <p:cNvSpPr/>
+          <p:nvPr/>
+        </p:nvSpPr>
+        <p:spPr>
+          <a:xfrm>
+            <a:off x="6873324" y="3576268"/>
+            <a:ext cx="2880276" cy="307777"/>
+          </a:xfrm>
+          <a:prstGeom prst="rect">
+            <a:avLst/>
+          </a:prstGeom>
+        </p:spPr>
+        <p:txBody>
+          <a:bodyPr wrap="none">
+            <a:spAutoFit/>
+          </a:bodyPr>
+          <a:lstStyle/>
+          <a:p>
+            <a:r>
+              <a:rPr lang="en-US" sz="1400" i="1" dirty="0">
                 <a:solidFill>
                   <a:srgbClr val="333333"/>
                 </a:solidFill>
@@ -4847,70 +4543,62 @@
                 <a:ea typeface="Times New Roman" panose="02020603050405020304" pitchFamily="18" charset="0"/>
                 <a:cs typeface="Helvetica" panose="020B0604020202020204" pitchFamily="34" charset="0"/>
               </a:rPr>
-              <a:t>under Curve(AUC)</a:t>
-            </a:r>
-            <a:r>
-              <a:rPr lang="en-US" sz="2400" b="1" dirty="0">
-                <a:solidFill>
-                  <a:srgbClr val="333333"/>
-                </a:solidFill>
-                <a:latin typeface="Calibri" panose="020F0502020204030204" pitchFamily="34" charset="0"/>
-                <a:ea typeface="Times New Roman" panose="02020603050405020304" pitchFamily="18" charset="0"/>
-                <a:cs typeface="Helvetica" panose="020B0604020202020204" pitchFamily="34" charset="0"/>
-              </a:rPr>
-              <a:t> </a:t>
-            </a:r>
-            <a:r>
-              <a:rPr lang="en-US" sz="2400" dirty="0">
-                <a:solidFill>
-                  <a:srgbClr val="333333"/>
-                </a:solidFill>
-                <a:latin typeface="Calibri" panose="020F0502020204030204" pitchFamily="34" charset="0"/>
-                <a:ea typeface="Times New Roman" panose="02020603050405020304" pitchFamily="18" charset="0"/>
-                <a:cs typeface="Helvetica" panose="020B0604020202020204" pitchFamily="34" charset="0"/>
-              </a:rPr>
-              <a:t>– </a:t>
-            </a:r>
-            <a:r>
-              <a:rPr lang="en-US" sz="2400" b="1" dirty="0">
-                <a:solidFill>
-                  <a:srgbClr val="333333"/>
-                </a:solidFill>
-                <a:latin typeface="Calibri" panose="020F0502020204030204" pitchFamily="34" charset="0"/>
-                <a:ea typeface="Times New Roman" panose="02020603050405020304" pitchFamily="18" charset="0"/>
-                <a:cs typeface="Helvetica" panose="020B0604020202020204" pitchFamily="34" charset="0"/>
-              </a:rPr>
-              <a:t>0.755</a:t>
-            </a:r>
-            <a:endParaRPr lang="en-US" dirty="0">
-              <a:solidFill>
-                <a:srgbClr val="444444"/>
-              </a:solidFill>
-              <a:effectLst/>
-              <a:latin typeface="Arial" panose="020B0604020202020204" pitchFamily="34" charset="0"/>
-              <a:ea typeface="Times New Roman" panose="02020603050405020304" pitchFamily="18" charset="0"/>
-              <a:cs typeface="Times New Roman" panose="02020603050405020304" pitchFamily="18" charset="0"/>
-            </a:endParaRPr>
+              <a:t> Top 5 donations for a project in Iowa</a:t>
+            </a:r>
+            <a:endParaRPr lang="en-US" sz="1400" dirty="0"/>
+          </a:p>
+        </p:txBody>
+      </p:sp>
+      <p:sp>
+        <p:nvSpPr>
+          <p:cNvPr id="9" name="TextBox 8"/>
+          <p:cNvSpPr txBox="1"/>
+          <p:nvPr/>
+        </p:nvSpPr>
+        <p:spPr>
+          <a:xfrm>
+            <a:off x="571500" y="4152900"/>
+            <a:ext cx="11252200" cy="677108"/>
+          </a:xfrm>
+          <a:prstGeom prst="rect">
+            <a:avLst/>
+          </a:prstGeom>
+          <a:noFill/>
+        </p:spPr>
+        <p:txBody>
+          <a:bodyPr wrap="square" rtlCol="0">
+            <a:spAutoFit/>
+          </a:bodyPr>
+          <a:lstStyle/>
+          <a:p>
+            <a:pPr marL="285750" indent="-285750">
+              <a:buFont typeface="Arial" panose="020B0604020202020204" pitchFamily="34" charset="0"/>
+              <a:buChar char="•"/>
+            </a:pPr>
+            <a:r>
+              <a:rPr lang="en-US" sz="2000" dirty="0"/>
+              <a:t>Definite correlation between state of a donor and state of a project</a:t>
+            </a:r>
+          </a:p>
+          <a:p>
+            <a:pPr marL="285750" indent="-285750">
+              <a:buFont typeface="Arial" panose="020B0604020202020204" pitchFamily="34" charset="0"/>
+              <a:buChar char="•"/>
+            </a:pPr>
+            <a:endParaRPr lang="en-US" dirty="0"/>
           </a:p>
         </p:txBody>
       </p:sp>
     </p:spTree>
     <p:extLst>
       <p:ext uri="{BB962C8B-B14F-4D97-AF65-F5344CB8AC3E}">
-        <p14:creationId xmlns:p14="http://schemas.microsoft.com/office/powerpoint/2010/main" val="815442151"/>
+        <p14:creationId xmlns:p14="http://schemas.microsoft.com/office/powerpoint/2010/main" val="371786314"/>
       </p:ext>
     </p:extLst>
   </p:cSld>
   <p:clrMapOvr>
     <a:masterClrMapping/>
   </p:clrMapOvr>
-  <p:timing>
-    <p:tnLst>
-      <p:par>
-        <p:cTn id="1" dur="indefinite" restart="never" nodeType="tmRoot"/>
-      </p:par>
-    </p:tnLst>
-  </p:timing>
 </p:sld>
 </file>
 
@@ -4943,91 +4631,192 @@
         </p:nvSpPr>
         <p:spPr>
           <a:xfrm>
-            <a:off x="838200" y="1"/>
-            <a:ext cx="10515600" cy="1066800"/>
-          </a:xfrm>
-        </p:spPr>
-        <p:txBody>
-          <a:bodyPr/>
+            <a:off x="825500" y="37014"/>
+            <a:ext cx="10515600" cy="499590"/>
+          </a:xfrm>
+        </p:spPr>
+        <p:txBody>
+          <a:bodyPr>
+            <a:normAutofit fontScale="90000"/>
+          </a:bodyPr>
           <a:lstStyle/>
           <a:p>
             <a:pPr algn="ctr"/>
             <a:r>
-              <a:rPr lang="en-US" dirty="0" smtClean="0"/>
-              <a:t>Future Enhancements</a:t>
-            </a:r>
-            <a:endParaRPr lang="en-US" dirty="0"/>
-          </a:p>
-        </p:txBody>
-      </p:sp>
-      <p:sp>
-        <p:nvSpPr>
-          <p:cNvPr id="3" name="Content Placeholder 2"/>
-          <p:cNvSpPr>
-            <a:spLocks noGrp="1"/>
-          </p:cNvSpPr>
+              <a:rPr lang="en-US" dirty="0"/>
+              <a:t>Other Analyses</a:t>
+            </a:r>
+          </a:p>
+        </p:txBody>
+      </p:sp>
+      <p:pic>
+        <p:nvPicPr>
+          <p:cNvPr id="4" name="Content Placeholder 3"/>
+          <p:cNvPicPr>
+            <a:picLocks noGrp="1" noChangeAspect="1"/>
+          </p:cNvPicPr>
           <p:nvPr>
             <p:ph idx="1"/>
           </p:nvPr>
-        </p:nvSpPr>
-        <p:spPr>
-          <a:xfrm>
-            <a:off x="838200" y="1308100"/>
-            <a:ext cx="10515600" cy="4868863"/>
-          </a:xfrm>
-        </p:spPr>
-        <p:txBody>
-          <a:bodyPr/>
-          <a:lstStyle/>
-          <a:p>
-            <a:r>
-              <a:rPr lang="en-US" dirty="0" smtClean="0"/>
-              <a:t>Text processing and Sentiment analysis on teacher’s essay data that has teacher’s requests as well as responses to donors.</a:t>
-            </a:r>
-          </a:p>
-          <a:p>
-            <a:pPr lvl="1"/>
-            <a:r>
-              <a:rPr lang="en-US" dirty="0" smtClean="0"/>
-              <a:t>This could add important features in determining a successful project</a:t>
-            </a:r>
-          </a:p>
-          <a:p>
-            <a:endParaRPr lang="en-US" dirty="0" smtClean="0"/>
-          </a:p>
-          <a:p>
-            <a:r>
-              <a:rPr lang="en-US" dirty="0" smtClean="0"/>
-              <a:t>A Recommendation engine that can recommend projects to individual donors based on his/her interests</a:t>
-            </a:r>
-          </a:p>
-          <a:p>
-            <a:pPr lvl="1"/>
-            <a:r>
-              <a:rPr lang="en-US" dirty="0" smtClean="0"/>
-              <a:t>Would help projects reach funding goal and entire process would be more efficient pulling in more projects and donors in future</a:t>
-            </a:r>
-            <a:endParaRPr lang="en-US" dirty="0"/>
+        </p:nvPicPr>
+        <p:blipFill>
+          <a:blip r:embed="rId2">
+            <a:extLst>
+              <a:ext uri="{28A0092B-C50C-407E-A947-70E740481C1C}">
+                <a14:useLocalDpi xmlns:a14="http://schemas.microsoft.com/office/drawing/2010/main" val="0"/>
+              </a:ext>
+            </a:extLst>
+          </a:blip>
+          <a:stretch>
+            <a:fillRect/>
+          </a:stretch>
+        </p:blipFill>
+        <p:spPr>
+          <a:xfrm>
+            <a:off x="825500" y="655140"/>
+            <a:ext cx="10515600" cy="2887065"/>
+          </a:xfrm>
+        </p:spPr>
+      </p:pic>
+      <p:pic>
+        <p:nvPicPr>
+          <p:cNvPr id="6" name="Picture 5"/>
+          <p:cNvPicPr>
+            <a:picLocks noChangeAspect="1"/>
+          </p:cNvPicPr>
+          <p:nvPr/>
+        </p:nvPicPr>
+        <p:blipFill>
+          <a:blip r:embed="rId3"/>
+          <a:stretch>
+            <a:fillRect/>
+          </a:stretch>
+        </p:blipFill>
+        <p:spPr>
+          <a:xfrm>
+            <a:off x="998578" y="3424498"/>
+            <a:ext cx="2981839" cy="2889456"/>
+          </a:xfrm>
+          <a:prstGeom prst="rect">
+            <a:avLst/>
+          </a:prstGeom>
+        </p:spPr>
+      </p:pic>
+      <p:sp>
+        <p:nvSpPr>
+          <p:cNvPr id="7" name="Rectangle 6"/>
+          <p:cNvSpPr/>
+          <p:nvPr/>
+        </p:nvSpPr>
+        <p:spPr>
+          <a:xfrm>
+            <a:off x="998578" y="6311563"/>
+            <a:ext cx="3454400" cy="430887"/>
+          </a:xfrm>
+          <a:prstGeom prst="rect">
+            <a:avLst/>
+          </a:prstGeom>
+        </p:spPr>
+        <p:txBody>
+          <a:bodyPr wrap="square">
+            <a:spAutoFit/>
+          </a:bodyPr>
+          <a:lstStyle/>
+          <a:p>
+            <a:r>
+              <a:rPr lang="en-US" sz="1050" i="1" dirty="0">
+                <a:solidFill>
+                  <a:srgbClr val="333333"/>
+                </a:solidFill>
+                <a:effectLst/>
+                <a:latin typeface="Helvetica Neue"/>
+              </a:rPr>
+              <a:t>U.S. Census Bureau’s 2014 American Community Survey (ACS)</a:t>
+            </a:r>
+            <a:endParaRPr lang="en-US" sz="1050" i="1" dirty="0"/>
+          </a:p>
+        </p:txBody>
+      </p:sp>
+      <p:sp>
+        <p:nvSpPr>
+          <p:cNvPr id="8" name="TextBox 7"/>
+          <p:cNvSpPr txBox="1"/>
+          <p:nvPr/>
+        </p:nvSpPr>
+        <p:spPr>
+          <a:xfrm>
+            <a:off x="4233007" y="3780555"/>
+            <a:ext cx="7267493" cy="1938992"/>
+          </a:xfrm>
+          <a:prstGeom prst="rect">
+            <a:avLst/>
+          </a:prstGeom>
+          <a:noFill/>
+        </p:spPr>
+        <p:txBody>
+          <a:bodyPr wrap="square" rtlCol="0">
+            <a:spAutoFit/>
+          </a:bodyPr>
+          <a:lstStyle/>
+          <a:p>
+            <a:pPr marL="342900" indent="-342900">
+              <a:buFont typeface="Arial" panose="020B0604020202020204" pitchFamily="34" charset="0"/>
+              <a:buChar char="•"/>
+            </a:pPr>
+            <a:r>
+              <a:rPr lang="en-US" sz="2400" dirty="0"/>
+              <a:t>Correlation between average median household income of a state and project success rate in a state</a:t>
+            </a:r>
+          </a:p>
+          <a:p>
+            <a:pPr marL="342900" indent="-342900">
+              <a:buFont typeface="Arial" panose="020B0604020202020204" pitchFamily="34" charset="0"/>
+              <a:buChar char="•"/>
+            </a:pPr>
+            <a:r>
+              <a:rPr lang="en-US" sz="2400" dirty="0"/>
+              <a:t>Rich states are marked in </a:t>
+            </a:r>
+            <a:r>
+              <a:rPr lang="en-US" sz="2400" dirty="0">
+                <a:solidFill>
+                  <a:schemeClr val="accent6"/>
+                </a:solidFill>
+              </a:rPr>
+              <a:t>green</a:t>
+            </a:r>
+            <a:r>
+              <a:rPr lang="en-US" sz="2400" dirty="0"/>
+              <a:t> and Poor states are marked in </a:t>
+            </a:r>
+            <a:r>
+              <a:rPr lang="en-US" sz="2400" dirty="0">
+                <a:solidFill>
+                  <a:srgbClr val="FF0000"/>
+                </a:solidFill>
+              </a:rPr>
+              <a:t>red</a:t>
+            </a:r>
+          </a:p>
+          <a:p>
+            <a:pPr marL="285750" indent="-285750">
+              <a:buFont typeface="Arial" panose="020B0604020202020204" pitchFamily="34" charset="0"/>
+              <a:buChar char="•"/>
+            </a:pPr>
+            <a:endParaRPr lang="en-US" sz="2400" dirty="0"/>
           </a:p>
         </p:txBody>
       </p:sp>
     </p:spTree>
     <p:extLst>
       <p:ext uri="{BB962C8B-B14F-4D97-AF65-F5344CB8AC3E}">
-        <p14:creationId xmlns:p14="http://schemas.microsoft.com/office/powerpoint/2010/main" val="3359925530"/>
+        <p14:creationId xmlns:p14="http://schemas.microsoft.com/office/powerpoint/2010/main" val="2103070429"/>
       </p:ext>
     </p:extLst>
   </p:cSld>
   <p:clrMapOvr>
     <a:masterClrMapping/>
   </p:clrMapOvr>
-  <p:timing>
-    <p:tnLst>
-      <p:par>
-        <p:cTn id="1" dur="indefinite" restart="never" nodeType="tmRoot"/>
-      </p:par>
-    </p:tnLst>
-  </p:timing>
 </p:sld>
 </file>
 
@@ -5060,8 +4849,8 @@
         </p:nvSpPr>
         <p:spPr>
           <a:xfrm>
-            <a:off x="838200" y="0"/>
-            <a:ext cx="10515600" cy="1322388"/>
+            <a:off x="838200" y="1"/>
+            <a:ext cx="10515600" cy="1066800"/>
           </a:xfrm>
         </p:spPr>
         <p:txBody>
@@ -5070,97 +4859,72 @@
           <a:p>
             <a:pPr algn="ctr"/>
             <a:r>
-              <a:rPr lang="en-US" dirty="0" smtClean="0"/>
-              <a:t>Recommendations</a:t>
-            </a:r>
+              <a:rPr lang="en-US" dirty="0"/>
+              <a:t>Future Enhancements</a:t>
+            </a:r>
+          </a:p>
+        </p:txBody>
+      </p:sp>
+      <p:sp>
+        <p:nvSpPr>
+          <p:cNvPr id="3" name="Content Placeholder 2"/>
+          <p:cNvSpPr>
+            <a:spLocks noGrp="1"/>
+          </p:cNvSpPr>
+          <p:nvPr>
+            <p:ph idx="1"/>
+          </p:nvPr>
+        </p:nvSpPr>
+        <p:spPr>
+          <a:xfrm>
+            <a:off x="838200" y="1308100"/>
+            <a:ext cx="10515600" cy="4868863"/>
+          </a:xfrm>
+        </p:spPr>
+        <p:txBody>
+          <a:bodyPr/>
+          <a:lstStyle/>
+          <a:p>
+            <a:r>
+              <a:rPr lang="en-US" dirty="0"/>
+              <a:t>Text processing and Sentiment analysis on teacher’s essay data that has teacher’s requests as well as responses to donors.</a:t>
+            </a:r>
+          </a:p>
+          <a:p>
+            <a:pPr lvl="1"/>
+            <a:r>
+              <a:rPr lang="en-US" dirty="0"/>
+              <a:t>This could add important features in determining a successful project</a:t>
+            </a:r>
+          </a:p>
+          <a:p>
             <a:endParaRPr lang="en-US" dirty="0"/>
           </a:p>
-        </p:txBody>
-      </p:sp>
-      <p:sp>
-        <p:nvSpPr>
-          <p:cNvPr id="3" name="Content Placeholder 2"/>
-          <p:cNvSpPr>
-            <a:spLocks noGrp="1"/>
-          </p:cNvSpPr>
-          <p:nvPr>
-            <p:ph idx="1"/>
-          </p:nvPr>
-        </p:nvSpPr>
-        <p:spPr>
-          <a:xfrm>
-            <a:off x="838200" y="1322388"/>
-            <a:ext cx="10515600" cy="4854575"/>
-          </a:xfrm>
-        </p:spPr>
-        <p:txBody>
-          <a:bodyPr/>
-          <a:lstStyle/>
-          <a:p>
-            <a:r>
-              <a:rPr lang="en-US" dirty="0" smtClean="0"/>
-              <a:t>My current model could be used to determine well in advance, if a project would be fully funded or not and hence prepare in advance by ordering resources, improve funding outcomes and better the user experience</a:t>
-            </a:r>
-          </a:p>
-          <a:p>
-            <a:r>
-              <a:rPr lang="en-US" dirty="0" smtClean="0"/>
-              <a:t>Based on the exploratory data analysis done, the client could have a small note in project registration page saying – “</a:t>
-            </a:r>
-            <a:r>
-              <a:rPr lang="en-US" i="1" dirty="0" smtClean="0"/>
-              <a:t>Chances </a:t>
-            </a:r>
-            <a:r>
-              <a:rPr lang="en-US" i="1" dirty="0"/>
-              <a:t>of getting a project notices are high if you have an assigned </a:t>
-            </a:r>
-            <a:r>
-              <a:rPr lang="en-US" i="1" dirty="0" smtClean="0"/>
-              <a:t>category”</a:t>
-            </a:r>
-          </a:p>
-          <a:p>
-            <a:r>
-              <a:rPr lang="en-US" dirty="0" smtClean="0"/>
-              <a:t>If the client decides to build a recommendation engine, </a:t>
-            </a:r>
-            <a:r>
-              <a:rPr lang="en-US" dirty="0"/>
-              <a:t>the state in which the donor resides could </a:t>
-            </a:r>
-            <a:r>
-              <a:rPr lang="en-US" dirty="0" smtClean="0"/>
-              <a:t>be used as a important feature as </a:t>
-            </a:r>
-            <a:r>
-              <a:rPr lang="en-US" dirty="0"/>
-              <a:t>Donors generally prefer a project in their own state or a neighboring state</a:t>
-            </a:r>
-            <a:endParaRPr lang="en-US" dirty="0" smtClean="0"/>
-          </a:p>
-          <a:p>
-            <a:endParaRPr lang="en-US" dirty="0"/>
+          <a:p>
+            <a:r>
+              <a:rPr lang="en-US" dirty="0"/>
+              <a:t>A Recommendation engine that can recommend projects to individual donors based on his/her interests</a:t>
+            </a:r>
+          </a:p>
+          <a:p>
+            <a:pPr lvl="1"/>
+            <a:r>
+              <a:rPr lang="en-US" dirty="0"/>
+              <a:t>Would help projects reach funding goal and entire process would be more efficient pulling in more projects and donors in future</a:t>
+            </a:r>
           </a:p>
         </p:txBody>
       </p:sp>
     </p:spTree>
     <p:extLst>
       <p:ext uri="{BB962C8B-B14F-4D97-AF65-F5344CB8AC3E}">
-        <p14:creationId xmlns:p14="http://schemas.microsoft.com/office/powerpoint/2010/main" val="2409410508"/>
+        <p14:creationId xmlns:p14="http://schemas.microsoft.com/office/powerpoint/2010/main" val="3359925530"/>
       </p:ext>
     </p:extLst>
   </p:cSld>
   <p:clrMapOvr>
     <a:masterClrMapping/>
   </p:clrMapOvr>
-  <p:timing>
-    <p:tnLst>
-      <p:par>
-        <p:cTn id="1" dur="indefinite" restart="never" nodeType="tmRoot"/>
-      </p:par>
-    </p:tnLst>
-  </p:timing>
 </p:sld>
 </file>
 
@@ -5197,10 +4961,9 @@
           <a:lstStyle/>
           <a:p>
             <a:r>
-              <a:rPr lang="en-US" dirty="0" smtClean="0"/>
+              <a:rPr lang="en-US" dirty="0"/>
               <a:t>		What is DonorsChoose.org ?</a:t>
             </a:r>
-            <a:endParaRPr lang="en-US" dirty="0"/>
           </a:p>
         </p:txBody>
       </p:sp>
@@ -5225,29 +4988,17 @@
           <a:lstStyle/>
           <a:p>
             <a:r>
-              <a:rPr lang="en-US" dirty="0" smtClean="0"/>
-              <a:t>A nonprofit </a:t>
-            </a:r>
-            <a:r>
-              <a:rPr lang="en-US" dirty="0"/>
-              <a:t>organization that allows individuals to donate directly to public school classroom </a:t>
-            </a:r>
-            <a:r>
-              <a:rPr lang="en-US" dirty="0" smtClean="0"/>
-              <a:t>projects</a:t>
-            </a:r>
-          </a:p>
-          <a:p>
-            <a:endParaRPr lang="en-US" dirty="0" smtClean="0"/>
-          </a:p>
-          <a:p>
-            <a:r>
-              <a:rPr lang="en-US" dirty="0" smtClean="0"/>
-              <a:t>Enables </a:t>
-            </a:r>
-            <a:r>
-              <a:rPr lang="en-US" dirty="0"/>
-              <a:t>teachers to request materials and resources for their classrooms </a:t>
+              <a:rPr lang="en-US" dirty="0"/>
+              <a:t>A nonprofit organization that allows individuals to donate directly to public school classroom projects</a:t>
+            </a:r>
+          </a:p>
+          <a:p>
+            <a:endParaRPr lang="en-US" dirty="0"/>
+          </a:p>
+          <a:p>
+            <a:r>
+              <a:rPr lang="en-US" dirty="0"/>
+              <a:t>Enables teachers to request materials and resources for their classrooms </a:t>
             </a:r>
           </a:p>
         </p:txBody>
@@ -5262,17 +5013,222 @@
   <p:clrMapOvr>
     <a:masterClrMapping/>
   </p:clrMapOvr>
-  <p:timing>
-    <p:tnLst>
-      <p:par>
-        <p:cTn id="1" dur="indefinite" restart="never" nodeType="tmRoot"/>
-      </p:par>
-    </p:tnLst>
-  </p:timing>
+</p:sld>
+</file>
+
+<file path=ppt/slides/slide20.xml><?xml version="1.0" encoding="utf-8"?>
+<p:sld xmlns:a="http://schemas.openxmlformats.org/drawingml/2006/main" xmlns:r="http://schemas.openxmlformats.org/officeDocument/2006/relationships" xmlns:p="http://schemas.openxmlformats.org/presentationml/2006/main">
+  <p:cSld>
+    <p:spTree>
+      <p:nvGrpSpPr>
+        <p:cNvPr id="1" name=""/>
+        <p:cNvGrpSpPr/>
+        <p:nvPr/>
+      </p:nvGrpSpPr>
+      <p:grpSpPr>
+        <a:xfrm>
+          <a:off x="0" y="0"/>
+          <a:ext cx="0" cy="0"/>
+          <a:chOff x="0" y="0"/>
+          <a:chExt cx="0" cy="0"/>
+        </a:xfrm>
+      </p:grpSpPr>
+      <p:sp>
+        <p:nvSpPr>
+          <p:cNvPr id="2" name="Title 1"/>
+          <p:cNvSpPr>
+            <a:spLocks noGrp="1"/>
+          </p:cNvSpPr>
+          <p:nvPr>
+            <p:ph type="title"/>
+          </p:nvPr>
+        </p:nvSpPr>
+        <p:spPr>
+          <a:xfrm>
+            <a:off x="838200" y="0"/>
+            <a:ext cx="10515600" cy="1322388"/>
+          </a:xfrm>
+        </p:spPr>
+        <p:txBody>
+          <a:bodyPr/>
+          <a:lstStyle/>
+          <a:p>
+            <a:pPr algn="ctr"/>
+            <a:r>
+              <a:rPr lang="en-US" dirty="0"/>
+              <a:t>Recommendations</a:t>
+            </a:r>
+          </a:p>
+        </p:txBody>
+      </p:sp>
+      <p:sp>
+        <p:nvSpPr>
+          <p:cNvPr id="3" name="Content Placeholder 2"/>
+          <p:cNvSpPr>
+            <a:spLocks noGrp="1"/>
+          </p:cNvSpPr>
+          <p:nvPr>
+            <p:ph idx="1"/>
+          </p:nvPr>
+        </p:nvSpPr>
+        <p:spPr>
+          <a:xfrm>
+            <a:off x="838200" y="1322388"/>
+            <a:ext cx="10515600" cy="4854575"/>
+          </a:xfrm>
+        </p:spPr>
+        <p:txBody>
+          <a:bodyPr/>
+          <a:lstStyle/>
+          <a:p>
+            <a:r>
+              <a:rPr lang="en-US" dirty="0"/>
+              <a:t>My current model could be used to determine well in advance, if a project would be fully funded or not and hence prepare in advance by ordering resources, improve funding outcomes and better the user experience</a:t>
+            </a:r>
+          </a:p>
+          <a:p>
+            <a:r>
+              <a:rPr lang="en-US" dirty="0"/>
+              <a:t>Based on the exploratory data analysis done, the client could have a small note in project registration page saying – “</a:t>
+            </a:r>
+            <a:r>
+              <a:rPr lang="en-US" i="1" dirty="0"/>
+              <a:t>Chances of getting a project notices are high if you have an assigned category”</a:t>
+            </a:r>
+          </a:p>
+          <a:p>
+            <a:r>
+              <a:rPr lang="en-US" dirty="0"/>
+              <a:t>If the client decides to build a recommendation engine, the state in which the donor resides could be used as a important feature as Donors generally prefer a project in their own state or a neighboring state</a:t>
+            </a:r>
+          </a:p>
+          <a:p>
+            <a:endParaRPr lang="en-US" dirty="0"/>
+          </a:p>
+        </p:txBody>
+      </p:sp>
+    </p:spTree>
+    <p:extLst>
+      <p:ext uri="{BB962C8B-B14F-4D97-AF65-F5344CB8AC3E}">
+        <p14:creationId xmlns:p14="http://schemas.microsoft.com/office/powerpoint/2010/main" val="2409410508"/>
+      </p:ext>
+    </p:extLst>
+  </p:cSld>
+  <p:clrMapOvr>
+    <a:masterClrMapping/>
+  </p:clrMapOvr>
 </p:sld>
 </file>
 
 <file path=ppt/slides/slide3.xml><?xml version="1.0" encoding="utf-8"?>
+<p:sld xmlns:a="http://schemas.openxmlformats.org/drawingml/2006/main" xmlns:r="http://schemas.openxmlformats.org/officeDocument/2006/relationships" xmlns:p="http://schemas.openxmlformats.org/presentationml/2006/main">
+  <p:cSld>
+    <p:spTree>
+      <p:nvGrpSpPr>
+        <p:cNvPr id="1" name=""/>
+        <p:cNvGrpSpPr/>
+        <p:nvPr/>
+      </p:nvGrpSpPr>
+      <p:grpSpPr>
+        <a:xfrm>
+          <a:off x="0" y="0"/>
+          <a:ext cx="0" cy="0"/>
+          <a:chOff x="0" y="0"/>
+          <a:chExt cx="0" cy="0"/>
+        </a:xfrm>
+      </p:grpSpPr>
+      <p:sp>
+        <p:nvSpPr>
+          <p:cNvPr id="3" name="Content Placeholder 2"/>
+          <p:cNvSpPr>
+            <a:spLocks noGrp="1"/>
+          </p:cNvSpPr>
+          <p:nvPr>
+            <p:ph idx="1"/>
+          </p:nvPr>
+        </p:nvSpPr>
+        <p:spPr>
+          <a:xfrm>
+            <a:off x="838200" y="1690687"/>
+            <a:ext cx="10515600" cy="4486275"/>
+          </a:xfrm>
+        </p:spPr>
+        <p:txBody>
+          <a:bodyPr/>
+          <a:lstStyle/>
+          <a:p>
+            <a:r>
+              <a:rPr lang="en-US" dirty="0"/>
+              <a:t>A class room project has an expiration date set before which it has to be fully funded</a:t>
+            </a:r>
+          </a:p>
+          <a:p>
+            <a:r>
+              <a:rPr lang="en-US" dirty="0"/>
+              <a:t>If a project is fully funded, </a:t>
+            </a:r>
+            <a:r>
+              <a:rPr lang="en-US" dirty="0" err="1"/>
+              <a:t>DonorsChoose</a:t>
+            </a:r>
+            <a:r>
+              <a:rPr lang="en-US" dirty="0"/>
+              <a:t> purchases the requested items and ships it to the school</a:t>
+            </a:r>
+          </a:p>
+          <a:p>
+            <a:r>
+              <a:rPr lang="en-US" dirty="0"/>
+              <a:t>If a project doesn’t meet it’s funding requirement, the project will be considered expired and no action would be taken.</a:t>
+            </a:r>
+          </a:p>
+          <a:p>
+            <a:endParaRPr lang="en-US" dirty="0"/>
+          </a:p>
+        </p:txBody>
+      </p:sp>
+      <p:sp>
+        <p:nvSpPr>
+          <p:cNvPr id="6" name="Title 1"/>
+          <p:cNvSpPr>
+            <a:spLocks noGrp="1"/>
+          </p:cNvSpPr>
+          <p:nvPr>
+            <p:ph type="title"/>
+          </p:nvPr>
+        </p:nvSpPr>
+        <p:spPr>
+          <a:xfrm>
+            <a:off x="838200" y="365125"/>
+            <a:ext cx="10515600" cy="1325563"/>
+          </a:xfrm>
+        </p:spPr>
+        <p:txBody>
+          <a:bodyPr/>
+          <a:lstStyle/>
+          <a:p>
+            <a:pPr algn="ctr"/>
+            <a:r>
+              <a:rPr lang="en-US" dirty="0"/>
+              <a:t>Introduction</a:t>
+            </a:r>
+          </a:p>
+        </p:txBody>
+      </p:sp>
+    </p:spTree>
+    <p:extLst>
+      <p:ext uri="{BB962C8B-B14F-4D97-AF65-F5344CB8AC3E}">
+        <p14:creationId xmlns:p14="http://schemas.microsoft.com/office/powerpoint/2010/main" val="1697150621"/>
+      </p:ext>
+    </p:extLst>
+  </p:cSld>
+  <p:clrMapOvr>
+    <a:masterClrMapping/>
+  </p:clrMapOvr>
+</p:sld>
+</file>
+
+<file path=ppt/slides/slide4.xml><?xml version="1.0" encoding="utf-8"?>
 <p:sld xmlns:a="http://schemas.openxmlformats.org/drawingml/2006/main" xmlns:r="http://schemas.openxmlformats.org/officeDocument/2006/relationships" xmlns:p="http://schemas.openxmlformats.org/presentationml/2006/main">
   <p:cSld>
     <p:spTree>
@@ -5316,138 +5272,13 @@
     </p:spTree>
     <p:extLst>
       <p:ext uri="{BB962C8B-B14F-4D97-AF65-F5344CB8AC3E}">
-        <p14:creationId xmlns:p14="http://schemas.microsoft.com/office/powerpoint/2010/main" val="2974436825"/>
+        <p14:creationId xmlns:p14="http://schemas.microsoft.com/office/powerpoint/2010/main" val="4204344053"/>
       </p:ext>
     </p:extLst>
   </p:cSld>
   <p:clrMapOvr>
     <a:masterClrMapping/>
   </p:clrMapOvr>
-  <p:timing>
-    <p:tnLst>
-      <p:par>
-        <p:cTn id="1" dur="indefinite" restart="never" nodeType="tmRoot"/>
-      </p:par>
-    </p:tnLst>
-  </p:timing>
-</p:sld>
-</file>
-
-<file path=ppt/slides/slide4.xml><?xml version="1.0" encoding="utf-8"?>
-<p:sld xmlns:a="http://schemas.openxmlformats.org/drawingml/2006/main" xmlns:r="http://schemas.openxmlformats.org/officeDocument/2006/relationships" xmlns:p="http://schemas.openxmlformats.org/presentationml/2006/main">
-  <p:cSld>
-    <p:spTree>
-      <p:nvGrpSpPr>
-        <p:cNvPr id="1" name=""/>
-        <p:cNvGrpSpPr/>
-        <p:nvPr/>
-      </p:nvGrpSpPr>
-      <p:grpSpPr>
-        <a:xfrm>
-          <a:off x="0" y="0"/>
-          <a:ext cx="0" cy="0"/>
-          <a:chOff x="0" y="0"/>
-          <a:chExt cx="0" cy="0"/>
-        </a:xfrm>
-      </p:grpSpPr>
-      <p:sp>
-        <p:nvSpPr>
-          <p:cNvPr id="2" name="Title 1"/>
-          <p:cNvSpPr>
-            <a:spLocks noGrp="1"/>
-          </p:cNvSpPr>
-          <p:nvPr>
-            <p:ph type="title"/>
-          </p:nvPr>
-        </p:nvSpPr>
-        <p:spPr/>
-        <p:txBody>
-          <a:bodyPr/>
-          <a:lstStyle/>
-          <a:p>
-            <a:pPr algn="ctr"/>
-            <a:r>
-              <a:rPr lang="en-US" dirty="0" smtClean="0"/>
-              <a:t>The Problem</a:t>
-            </a:r>
-            <a:endParaRPr lang="en-US" dirty="0"/>
-          </a:p>
-        </p:txBody>
-      </p:sp>
-      <p:sp>
-        <p:nvSpPr>
-          <p:cNvPr id="3" name="Content Placeholder 2"/>
-          <p:cNvSpPr>
-            <a:spLocks noGrp="1"/>
-          </p:cNvSpPr>
-          <p:nvPr>
-            <p:ph idx="1"/>
-          </p:nvPr>
-        </p:nvSpPr>
-        <p:spPr>
-          <a:xfrm>
-            <a:off x="838200" y="1790700"/>
-            <a:ext cx="10515600" cy="4386263"/>
-          </a:xfrm>
-        </p:spPr>
-        <p:txBody>
-          <a:bodyPr/>
-          <a:lstStyle/>
-          <a:p>
-            <a:r>
-              <a:rPr lang="en-US" dirty="0" smtClean="0"/>
-              <a:t>WHAT IF -  we were able to predict if a Project would be successfully funded or not ?</a:t>
-            </a:r>
-          </a:p>
-          <a:p>
-            <a:endParaRPr lang="en-US" dirty="0" smtClean="0"/>
-          </a:p>
-          <a:p>
-            <a:r>
-              <a:rPr lang="en-US" dirty="0" smtClean="0"/>
-              <a:t>By identifying early, DonorsChoose.org could - </a:t>
-            </a:r>
-          </a:p>
-          <a:p>
-            <a:pPr lvl="1"/>
-            <a:r>
-              <a:rPr lang="en-US" dirty="0" smtClean="0"/>
-              <a:t>Improve funding outcomes, better the user experience</a:t>
-            </a:r>
-          </a:p>
-          <a:p>
-            <a:pPr lvl="1"/>
-            <a:r>
-              <a:rPr lang="en-US" dirty="0" smtClean="0"/>
-              <a:t>Make suggestions to projects that might not succeed</a:t>
-            </a:r>
-          </a:p>
-          <a:p>
-            <a:pPr lvl="1"/>
-            <a:r>
-              <a:rPr lang="en-US" dirty="0" smtClean="0"/>
-              <a:t>Order the resources from vendors well in advance cutting down the wait time for teachers and students</a:t>
-            </a:r>
-          </a:p>
-        </p:txBody>
-      </p:sp>
-    </p:spTree>
-    <p:extLst>
-      <p:ext uri="{BB962C8B-B14F-4D97-AF65-F5344CB8AC3E}">
-        <p14:creationId xmlns:p14="http://schemas.microsoft.com/office/powerpoint/2010/main" val="1648914658"/>
-      </p:ext>
-    </p:extLst>
-  </p:cSld>
-  <p:clrMapOvr>
-    <a:masterClrMapping/>
-  </p:clrMapOvr>
-  <p:timing>
-    <p:tnLst>
-      <p:par>
-        <p:cTn id="1" dur="indefinite" restart="never" nodeType="tmRoot"/>
-      </p:par>
-    </p:tnLst>
-  </p:timing>
 </p:sld>
 </file>
 
@@ -5478,236 +5309,86 @@
             <p:ph type="title"/>
           </p:nvPr>
         </p:nvSpPr>
-        <p:spPr>
-          <a:xfrm>
-            <a:off x="838200" y="165100"/>
-            <a:ext cx="10515600" cy="698500"/>
-          </a:xfrm>
-        </p:spPr>
+        <p:spPr/>
         <p:txBody>
           <a:bodyPr/>
           <a:lstStyle/>
           <a:p>
             <a:pPr algn="ctr"/>
             <a:r>
-              <a:rPr lang="en-US" dirty="0" smtClean="0"/>
-              <a:t>Dataset</a:t>
-            </a:r>
+              <a:rPr lang="en-US" dirty="0"/>
+              <a:t>The Problem</a:t>
+            </a:r>
+          </a:p>
+        </p:txBody>
+      </p:sp>
+      <p:sp>
+        <p:nvSpPr>
+          <p:cNvPr id="3" name="Content Placeholder 2"/>
+          <p:cNvSpPr>
+            <a:spLocks noGrp="1"/>
+          </p:cNvSpPr>
+          <p:nvPr>
+            <p:ph idx="1"/>
+          </p:nvPr>
+        </p:nvSpPr>
+        <p:spPr>
+          <a:xfrm>
+            <a:off x="838200" y="1790700"/>
+            <a:ext cx="10515600" cy="4386263"/>
+          </a:xfrm>
+        </p:spPr>
+        <p:txBody>
+          <a:bodyPr/>
+          <a:lstStyle/>
+          <a:p>
+            <a:r>
+              <a:rPr lang="en-US" dirty="0"/>
+              <a:t>WHAT IF -  we were able to predict if a Project would be successfully funded or not ?</a:t>
+            </a:r>
+          </a:p>
+          <a:p>
             <a:endParaRPr lang="en-US" dirty="0"/>
           </a:p>
-        </p:txBody>
-      </p:sp>
-      <p:sp>
-        <p:nvSpPr>
-          <p:cNvPr id="3" name="Content Placeholder 2"/>
-          <p:cNvSpPr>
-            <a:spLocks noGrp="1"/>
-          </p:cNvSpPr>
-          <p:nvPr>
-            <p:ph idx="1"/>
-          </p:nvPr>
-        </p:nvSpPr>
-        <p:spPr>
-          <a:xfrm>
-            <a:off x="838200" y="1016000"/>
-            <a:ext cx="10515600" cy="5664200"/>
-          </a:xfrm>
-        </p:spPr>
-        <p:txBody>
-          <a:bodyPr>
-            <a:normAutofit/>
-          </a:bodyPr>
-          <a:lstStyle/>
-          <a:p>
-            <a:r>
-              <a:rPr lang="en-US" sz="2400" dirty="0" smtClean="0"/>
-              <a:t>Projects</a:t>
+          <a:p>
+            <a:r>
+              <a:rPr lang="en-US" dirty="0"/>
+              <a:t>By identifying early, DonorsChoose.org could - </a:t>
             </a:r>
           </a:p>
           <a:p>
             <a:pPr lvl="1"/>
             <a:r>
-              <a:rPr lang="en-US" sz="2000" dirty="0" smtClean="0"/>
-              <a:t>IDs, School Location, School Type(</a:t>
-            </a:r>
-            <a:r>
-              <a:rPr lang="en-US" sz="2000" dirty="0" err="1" smtClean="0"/>
-              <a:t>charter,magnet,nlns,kipp</a:t>
-            </a:r>
-            <a:r>
-              <a:rPr lang="en-US" sz="2000" dirty="0" smtClean="0"/>
-              <a:t> </a:t>
-            </a:r>
-            <a:r>
-              <a:rPr lang="en-US" sz="2000" dirty="0" err="1" smtClean="0"/>
-              <a:t>etc</a:t>
-            </a:r>
-            <a:r>
-              <a:rPr lang="en-US" sz="2000" dirty="0" smtClean="0"/>
-              <a:t>)</a:t>
+              <a:rPr lang="en-US" dirty="0"/>
+              <a:t>Improve funding outcomes, better the user experience</a:t>
             </a:r>
           </a:p>
           <a:p>
             <a:pPr lvl="1"/>
             <a:r>
-              <a:rPr lang="en-US" sz="2000" dirty="0" smtClean="0"/>
-              <a:t>Project Categories – primary/secondary </a:t>
-            </a:r>
-            <a:r>
-              <a:rPr lang="en-US" sz="2000" dirty="0" err="1" smtClean="0"/>
-              <a:t>subject,resource</a:t>
-            </a:r>
-            <a:r>
-              <a:rPr lang="en-US" sz="2000" dirty="0" smtClean="0"/>
-              <a:t> type, poverty level</a:t>
+              <a:rPr lang="en-US" dirty="0"/>
+              <a:t>Make suggestions to projects that might not succeed</a:t>
             </a:r>
           </a:p>
           <a:p>
             <a:pPr lvl="1"/>
             <a:r>
-              <a:rPr lang="en-US" sz="2000" dirty="0" smtClean="0"/>
-              <a:t>Project pricing – Total price, Student reach</a:t>
-            </a:r>
-          </a:p>
-          <a:p>
-            <a:pPr lvl="1"/>
-            <a:r>
-              <a:rPr lang="en-US" sz="2000" dirty="0" smtClean="0"/>
-              <a:t>Project Donations – Total donation amount, number of donors</a:t>
-            </a:r>
-          </a:p>
-          <a:p>
-            <a:pPr lvl="1"/>
-            <a:r>
-              <a:rPr lang="en-US" sz="2000" dirty="0" smtClean="0"/>
-              <a:t>Project Status – Funding status(completed, expired, live), date created/expired</a:t>
-            </a:r>
-          </a:p>
-          <a:p>
-            <a:r>
-              <a:rPr lang="en-US" sz="2400" dirty="0" smtClean="0"/>
-              <a:t>Donations</a:t>
-            </a:r>
-          </a:p>
-          <a:p>
-            <a:pPr lvl="1"/>
-            <a:r>
-              <a:rPr lang="en-US" sz="2000" dirty="0" smtClean="0"/>
-              <a:t>IDS - </a:t>
-            </a:r>
-            <a:r>
-              <a:rPr lang="en-US" sz="2000" dirty="0" err="1" smtClean="0"/>
-              <a:t>DonationId</a:t>
-            </a:r>
-            <a:r>
-              <a:rPr lang="en-US" sz="2000" dirty="0" smtClean="0"/>
-              <a:t>, </a:t>
-            </a:r>
-            <a:r>
-              <a:rPr lang="en-US" sz="2000" dirty="0" err="1" smtClean="0"/>
-              <a:t>ProjectId</a:t>
-            </a:r>
-            <a:r>
-              <a:rPr lang="en-US" sz="2000" dirty="0" smtClean="0"/>
-              <a:t>, </a:t>
-            </a:r>
-            <a:r>
-              <a:rPr lang="en-US" sz="2000" dirty="0" err="1" smtClean="0"/>
-              <a:t>AccountId</a:t>
-            </a:r>
-            <a:endParaRPr lang="en-US" sz="2000" dirty="0" smtClean="0"/>
-          </a:p>
-          <a:p>
-            <a:pPr lvl="1"/>
-            <a:r>
-              <a:rPr lang="en-US" sz="2000" dirty="0" smtClean="0"/>
-              <a:t>Donor Info – Donor location, </a:t>
-            </a:r>
-            <a:r>
-              <a:rPr lang="en-US" sz="2000" dirty="0" err="1" smtClean="0"/>
-              <a:t>Is_Teacher</a:t>
-            </a:r>
-            <a:endParaRPr lang="en-US" sz="2000" dirty="0" smtClean="0"/>
-          </a:p>
-          <a:p>
-            <a:pPr lvl="1"/>
-            <a:r>
-              <a:rPr lang="en-US" sz="2000" dirty="0" smtClean="0"/>
-              <a:t>Donation amount and type , </a:t>
-            </a:r>
-            <a:r>
-              <a:rPr lang="en-US" sz="2000" dirty="0" err="1" smtClean="0"/>
-              <a:t>Payment_type</a:t>
-            </a:r>
-            <a:r>
-              <a:rPr lang="en-US" sz="2000" dirty="0" smtClean="0"/>
-              <a:t> – credit card, gift card, check </a:t>
-            </a:r>
-            <a:r>
-              <a:rPr lang="en-US" sz="2000" dirty="0" err="1" smtClean="0"/>
-              <a:t>etc</a:t>
-            </a:r>
-            <a:endParaRPr lang="en-US" sz="2000" dirty="0"/>
-          </a:p>
-          <a:p>
-            <a:r>
-              <a:rPr lang="en-US" sz="2400" dirty="0" smtClean="0"/>
-              <a:t>Project Resources </a:t>
-            </a:r>
-          </a:p>
-          <a:p>
-            <a:pPr lvl="1"/>
-            <a:r>
-              <a:rPr lang="en-US" sz="2000" dirty="0" smtClean="0"/>
-              <a:t>All </a:t>
-            </a:r>
-            <a:r>
-              <a:rPr lang="en-US" sz="2000" dirty="0"/>
-              <a:t>materials/resources requested by </a:t>
-            </a:r>
-            <a:r>
-              <a:rPr lang="en-US" sz="2000" dirty="0" smtClean="0"/>
-              <a:t>teacher</a:t>
-            </a:r>
-          </a:p>
-          <a:p>
-            <a:r>
-              <a:rPr lang="en-US" sz="2400" dirty="0"/>
-              <a:t>Project written essays </a:t>
-            </a:r>
-            <a:endParaRPr lang="en-US" sz="2000" dirty="0" smtClean="0"/>
-          </a:p>
-          <a:p>
-            <a:pPr lvl="1"/>
-            <a:r>
-              <a:rPr lang="en-US" sz="2000" dirty="0" smtClean="0"/>
-              <a:t> Full text of teacher written requests for their projects</a:t>
-            </a:r>
-            <a:endParaRPr lang="en-US" sz="2000" dirty="0"/>
-          </a:p>
-          <a:p>
-            <a:pPr lvl="1"/>
-            <a:endParaRPr lang="en-US" dirty="0" smtClean="0"/>
+              <a:rPr lang="en-US" dirty="0"/>
+              <a:t>Order the resources from vendors well in advance cutting down the wait time for teachers and students</a:t>
+            </a:r>
           </a:p>
         </p:txBody>
       </p:sp>
     </p:spTree>
     <p:extLst>
       <p:ext uri="{BB962C8B-B14F-4D97-AF65-F5344CB8AC3E}">
-        <p14:creationId xmlns:p14="http://schemas.microsoft.com/office/powerpoint/2010/main" val="1902366537"/>
+        <p14:creationId xmlns:p14="http://schemas.microsoft.com/office/powerpoint/2010/main" val="1648914658"/>
       </p:ext>
     </p:extLst>
   </p:cSld>
   <p:clrMapOvr>
     <a:masterClrMapping/>
   </p:clrMapOvr>
-  <p:timing>
-    <p:tnLst>
-      <p:par>
-        <p:cTn id="1" dur="indefinite" restart="never" nodeType="tmRoot"/>
-      </p:par>
-    </p:tnLst>
-  </p:timing>
 </p:sld>
 </file>
 
@@ -5738,17 +5419,21 @@
             <p:ph type="title"/>
           </p:nvPr>
         </p:nvSpPr>
-        <p:spPr/>
+        <p:spPr>
+          <a:xfrm>
+            <a:off x="838200" y="165100"/>
+            <a:ext cx="10515600" cy="698500"/>
+          </a:xfrm>
+        </p:spPr>
         <p:txBody>
           <a:bodyPr/>
           <a:lstStyle/>
           <a:p>
             <a:pPr algn="ctr"/>
             <a:r>
-              <a:rPr lang="en-US" dirty="0" smtClean="0"/>
-              <a:t>Data Wrangling</a:t>
-            </a:r>
-            <a:endParaRPr lang="en-US" dirty="0"/>
+              <a:rPr lang="en-US" dirty="0"/>
+              <a:t>Dataset</a:t>
+            </a:r>
           </a:p>
         </p:txBody>
       </p:sp>
@@ -5764,8 +5449,8 @@
         </p:nvSpPr>
         <p:spPr>
           <a:xfrm>
-            <a:off x="838200" y="1690688"/>
-            <a:ext cx="10515600" cy="4486275"/>
+            <a:off x="838200" y="1016000"/>
+            <a:ext cx="10515600" cy="5664200"/>
           </a:xfrm>
         </p:spPr>
         <p:txBody>
@@ -5775,84 +5460,137 @@
           <a:lstStyle/>
           <a:p>
             <a:r>
-              <a:rPr lang="en-US" dirty="0" smtClean="0"/>
-              <a:t>Raw data from csv</a:t>
+              <a:rPr lang="en-US" sz="2400" dirty="0"/>
+              <a:t>Projects</a:t>
             </a:r>
           </a:p>
           <a:p>
             <a:pPr lvl="1"/>
             <a:r>
-              <a:rPr lang="en-US" dirty="0" smtClean="0"/>
-              <a:t>Removed whitespaces from the columns while reading from csv</a:t>
+              <a:rPr lang="en-US" sz="2000" dirty="0"/>
+              <a:t>School Location, School Type(</a:t>
+            </a:r>
+            <a:r>
+              <a:rPr lang="en-US" sz="2000" dirty="0" err="1"/>
+              <a:t>charter,magnet,nlns,kipp</a:t>
+            </a:r>
+            <a:r>
+              <a:rPr lang="en-US" sz="2000" dirty="0"/>
+              <a:t> </a:t>
+            </a:r>
+            <a:r>
+              <a:rPr lang="en-US" sz="2000" dirty="0" err="1"/>
+              <a:t>etc</a:t>
+            </a:r>
+            <a:r>
+              <a:rPr lang="en-US" sz="2000" dirty="0"/>
+              <a:t>)</a:t>
             </a:r>
           </a:p>
           <a:p>
             <a:pPr lvl="1"/>
             <a:r>
-              <a:rPr lang="en-US" dirty="0" smtClean="0"/>
-              <a:t>Handled mismatch between row values and columns they belong</a:t>
+              <a:rPr lang="en-US" sz="2000" dirty="0"/>
+              <a:t>Project Categories – primary/secondary </a:t>
+            </a:r>
+            <a:r>
+              <a:rPr lang="en-US" sz="2000" dirty="0" err="1"/>
+              <a:t>subject,resource</a:t>
+            </a:r>
+            <a:r>
+              <a:rPr lang="en-US" sz="2000" dirty="0"/>
+              <a:t> type, poverty level</a:t>
             </a:r>
           </a:p>
           <a:p>
             <a:pPr lvl="1"/>
             <a:r>
-              <a:rPr lang="en-US" dirty="0" smtClean="0"/>
-              <a:t>Additional unnecessary columns created due to bad values in data</a:t>
-            </a:r>
-          </a:p>
-          <a:p>
-            <a:r>
-              <a:rPr lang="en-US" dirty="0" smtClean="0"/>
-              <a:t>Other Data wrangling</a:t>
+              <a:rPr lang="en-US" sz="2000" dirty="0"/>
+              <a:t>Project pricing – Total price, Student reach</a:t>
             </a:r>
           </a:p>
           <a:p>
             <a:pPr lvl="1"/>
             <a:r>
-              <a:rPr lang="en-US" dirty="0" smtClean="0"/>
-              <a:t>Exclude projects that have 0 as total expenses as it was just bad data</a:t>
+              <a:rPr lang="en-US" sz="2000" dirty="0"/>
+              <a:t>Project Donations – Total donation amount, number of donors</a:t>
             </a:r>
           </a:p>
           <a:p>
             <a:pPr lvl="1"/>
             <a:r>
-              <a:rPr lang="en-US" dirty="0" smtClean="0"/>
-              <a:t>Extracted year and month from project date posted and used them as features</a:t>
+              <a:rPr lang="en-US" sz="2000" dirty="0"/>
+              <a:t>Project Status – Funding status(completed, expired, live), date created/expired</a:t>
+            </a:r>
+          </a:p>
+          <a:p>
+            <a:r>
+              <a:rPr lang="en-US" sz="2400" dirty="0"/>
+              <a:t>Donations</a:t>
             </a:r>
           </a:p>
           <a:p>
             <a:pPr lvl="1"/>
             <a:r>
-              <a:rPr lang="en-US" dirty="0" smtClean="0"/>
-              <a:t>Merged projects data and donations data to get meaningful insights</a:t>
+              <a:rPr lang="en-US" sz="2000" dirty="0"/>
+              <a:t>Donor Info – Donor location, Is a teacher</a:t>
             </a:r>
           </a:p>
           <a:p>
             <a:pPr lvl="1"/>
             <a:r>
-              <a:rPr lang="en-US" dirty="0" smtClean="0"/>
-              <a:t>Found out teachers donating to their own projects by matching the donor account id with the teacher account it</a:t>
-            </a:r>
+              <a:rPr lang="en-US" sz="2000" dirty="0"/>
+              <a:t>Donation amount and type , Payment Type – credit card, gift card, check </a:t>
+            </a:r>
+            <a:r>
+              <a:rPr lang="en-US" sz="2000" dirty="0" err="1"/>
+              <a:t>etc</a:t>
+            </a:r>
+            <a:endParaRPr lang="en-US" sz="2000" dirty="0"/>
+          </a:p>
+          <a:p>
+            <a:r>
+              <a:rPr lang="en-US" sz="2400" dirty="0"/>
+              <a:t>Project Resources </a:t>
+            </a:r>
+          </a:p>
+          <a:p>
+            <a:pPr lvl="1"/>
+            <a:r>
+              <a:rPr lang="en-US" sz="2000" dirty="0"/>
+              <a:t>All materials/resources requested by teacher</a:t>
+            </a:r>
+          </a:p>
+          <a:p>
+            <a:r>
+              <a:rPr lang="en-US" sz="2400" dirty="0"/>
+              <a:t>Project written essays </a:t>
+            </a:r>
+            <a:endParaRPr lang="en-US" sz="2000" dirty="0"/>
+          </a:p>
+          <a:p>
+            <a:pPr lvl="1"/>
+            <a:r>
+              <a:rPr lang="en-US" sz="2000" dirty="0"/>
+              <a:t> Full text of teacher written requests for their projects</a:t>
+            </a:r>
+          </a:p>
+          <a:p>
+            <a:pPr lvl="1"/>
+            <a:endParaRPr lang="en-US" dirty="0"/>
           </a:p>
         </p:txBody>
       </p:sp>
     </p:spTree>
     <p:extLst>
       <p:ext uri="{BB962C8B-B14F-4D97-AF65-F5344CB8AC3E}">
-        <p14:creationId xmlns:p14="http://schemas.microsoft.com/office/powerpoint/2010/main" val="133037270"/>
+        <p14:creationId xmlns:p14="http://schemas.microsoft.com/office/powerpoint/2010/main" val="1902366537"/>
       </p:ext>
     </p:extLst>
   </p:cSld>
   <p:clrMapOvr>
     <a:masterClrMapping/>
   </p:clrMapOvr>
-  <p:timing>
-    <p:tnLst>
-      <p:par>
-        <p:cTn id="1" dur="indefinite" restart="never" nodeType="tmRoot"/>
-      </p:par>
-    </p:tnLst>
-  </p:timing>
 </p:sld>
 </file>
 
@@ -5883,22 +5621,16 @@
             <p:ph type="title"/>
           </p:nvPr>
         </p:nvSpPr>
-        <p:spPr>
-          <a:xfrm>
-            <a:off x="838200" y="122209"/>
-            <a:ext cx="10515600" cy="1364685"/>
-          </a:xfrm>
-        </p:spPr>
+        <p:spPr/>
         <p:txBody>
           <a:bodyPr/>
           <a:lstStyle/>
           <a:p>
             <a:pPr algn="ctr"/>
             <a:r>
-              <a:rPr lang="en-US" dirty="0" smtClean="0"/>
-              <a:t>Data Preprocessing </a:t>
-            </a:r>
-            <a:endParaRPr lang="en-US" dirty="0"/>
+              <a:rPr lang="en-US" dirty="0"/>
+              <a:t>Data Wrangling</a:t>
+            </a:r>
           </a:p>
         </p:txBody>
       </p:sp>
@@ -5914,178 +5646,88 @@
         </p:nvSpPr>
         <p:spPr>
           <a:xfrm>
-            <a:off x="734833" y="1280160"/>
-            <a:ext cx="10515600" cy="4937760"/>
-          </a:xfrm>
-        </p:spPr>
-        <p:txBody>
-          <a:bodyPr/>
-          <a:lstStyle/>
-          <a:p>
-            <a:r>
-              <a:rPr lang="en-US" dirty="0" smtClean="0"/>
-              <a:t>One Hot Encoding</a:t>
+            <a:off x="838200" y="1690688"/>
+            <a:ext cx="10515600" cy="4486275"/>
+          </a:xfrm>
+        </p:spPr>
+        <p:txBody>
+          <a:bodyPr>
+            <a:normAutofit/>
+          </a:bodyPr>
+          <a:lstStyle/>
+          <a:p>
+            <a:r>
+              <a:rPr lang="en-US" dirty="0"/>
+              <a:t>Raw data from csv</a:t>
             </a:r>
           </a:p>
           <a:p>
             <a:pPr lvl="1"/>
             <a:r>
-              <a:rPr lang="en-US" dirty="0" smtClean="0"/>
-              <a:t>Why? – For feeding categorical data to many </a:t>
-            </a:r>
-            <a:r>
-              <a:rPr lang="en-US" dirty="0" err="1" smtClean="0"/>
-              <a:t>scikit</a:t>
-            </a:r>
-            <a:r>
-              <a:rPr lang="en-US" dirty="0" smtClean="0"/>
-              <a:t>-learn estimators</a:t>
+              <a:rPr lang="en-US" dirty="0"/>
+              <a:t>Removed whitespaces from the columns while reading from csv</a:t>
             </a:r>
           </a:p>
           <a:p>
             <a:pPr lvl="1"/>
             <a:r>
-              <a:rPr lang="en-US" dirty="0" smtClean="0"/>
-              <a:t>Decision tree classifier needs One Hot Encoding to input categorical features</a:t>
-            </a:r>
-          </a:p>
-          <a:p>
-            <a:pPr marL="457200" lvl="1" indent="0">
-              <a:buNone/>
-            </a:pPr>
-            <a:r>
-              <a:rPr lang="en-US" sz="1600" dirty="0" smtClean="0"/>
-              <a:t>       </a:t>
-            </a:r>
-            <a:r>
-              <a:rPr lang="en-US" sz="1200" i="1" dirty="0" smtClean="0"/>
-              <a:t>Original data</a:t>
-            </a:r>
-          </a:p>
-          <a:p>
-            <a:pPr marL="457200" lvl="1" indent="0">
-              <a:buNone/>
-            </a:pPr>
-            <a:endParaRPr lang="en-US" sz="1200" i="1" dirty="0"/>
-          </a:p>
-          <a:p>
-            <a:pPr marL="457200" lvl="1" indent="0">
-              <a:buNone/>
-            </a:pPr>
-            <a:endParaRPr lang="en-US" sz="1200" i="1" dirty="0" smtClean="0"/>
-          </a:p>
-          <a:p>
-            <a:pPr marL="457200" lvl="1" indent="0">
-              <a:buNone/>
-            </a:pPr>
-            <a:endParaRPr lang="en-US" sz="1200" i="1" dirty="0"/>
-          </a:p>
-          <a:p>
-            <a:pPr marL="457200" lvl="1" indent="0">
-              <a:buNone/>
-            </a:pPr>
-            <a:endParaRPr lang="en-US" sz="1200" i="1" dirty="0" smtClean="0"/>
-          </a:p>
-          <a:p>
-            <a:pPr marL="457200" lvl="1" indent="0">
-              <a:buNone/>
-            </a:pPr>
-            <a:endParaRPr lang="en-US" sz="1200" i="1" dirty="0"/>
-          </a:p>
-          <a:p>
-            <a:pPr marL="457200" lvl="1" indent="0">
-              <a:buNone/>
-            </a:pPr>
-            <a:endParaRPr lang="en-US" sz="1200" i="1" dirty="0" smtClean="0"/>
-          </a:p>
-          <a:p>
-            <a:pPr marL="457200" lvl="1" indent="0">
-              <a:buNone/>
-            </a:pPr>
-            <a:endParaRPr lang="en-US" sz="1200" i="1" dirty="0"/>
-          </a:p>
-          <a:p>
-            <a:pPr marL="457200" lvl="1" indent="0">
-              <a:buNone/>
-            </a:pPr>
-            <a:r>
-              <a:rPr lang="en-US" sz="1200" i="1" dirty="0" smtClean="0"/>
-              <a:t>          After One-Hot Encoding</a:t>
-            </a:r>
-          </a:p>
-          <a:p>
-            <a:pPr marL="457200" lvl="1" indent="0">
-              <a:buNone/>
-            </a:pPr>
-            <a:endParaRPr lang="en-US" sz="1200" i="1" dirty="0" smtClean="0"/>
+              <a:rPr lang="en-US" dirty="0"/>
+              <a:t>Handled mismatch between row values and columns they belong</a:t>
+            </a:r>
           </a:p>
           <a:p>
             <a:pPr lvl="1"/>
-            <a:endParaRPr lang="en-US" sz="1600" dirty="0"/>
-          </a:p>
-        </p:txBody>
-      </p:sp>
-      <p:pic>
-        <p:nvPicPr>
-          <p:cNvPr id="4" name="Picture 3"/>
-          <p:cNvPicPr/>
-          <p:nvPr/>
-        </p:nvPicPr>
-        <p:blipFill>
-          <a:blip r:embed="rId2"/>
-          <a:stretch>
-            <a:fillRect/>
-          </a:stretch>
-        </p:blipFill>
-        <p:spPr>
-          <a:xfrm>
-            <a:off x="1603511" y="2743200"/>
-            <a:ext cx="7527789" cy="1574800"/>
-          </a:xfrm>
-          <a:prstGeom prst="rect">
-            <a:avLst/>
-          </a:prstGeom>
-        </p:spPr>
-      </p:pic>
-      <p:pic>
-        <p:nvPicPr>
-          <p:cNvPr id="5" name="Picture 4"/>
-          <p:cNvPicPr/>
-          <p:nvPr/>
-        </p:nvPicPr>
-        <p:blipFill>
-          <a:blip r:embed="rId3"/>
-          <a:stretch>
-            <a:fillRect/>
-          </a:stretch>
-        </p:blipFill>
-        <p:spPr>
-          <a:xfrm>
-            <a:off x="1603511" y="4673600"/>
-            <a:ext cx="7516855" cy="1786399"/>
-          </a:xfrm>
-          <a:prstGeom prst="rect">
-            <a:avLst/>
-          </a:prstGeom>
-        </p:spPr>
-      </p:pic>
+            <a:r>
+              <a:rPr lang="en-US" dirty="0"/>
+              <a:t>Additional unnecessary columns created due to bad values in data</a:t>
+            </a:r>
+          </a:p>
+          <a:p>
+            <a:r>
+              <a:rPr lang="en-US" dirty="0"/>
+              <a:t>Other Data wrangling</a:t>
+            </a:r>
+          </a:p>
+          <a:p>
+            <a:pPr lvl="1"/>
+            <a:r>
+              <a:rPr lang="en-US" dirty="0"/>
+              <a:t>Exclude projects that have 0 as total expenses as it was just bad data</a:t>
+            </a:r>
+          </a:p>
+          <a:p>
+            <a:pPr lvl="1"/>
+            <a:r>
+              <a:rPr lang="en-US" dirty="0"/>
+              <a:t>Extracted year and month from project date posted and used them as features</a:t>
+            </a:r>
+          </a:p>
+          <a:p>
+            <a:pPr lvl="1"/>
+            <a:r>
+              <a:rPr lang="en-US" dirty="0"/>
+              <a:t>Merged projects data and donations data to get meaningful insights</a:t>
+            </a:r>
+          </a:p>
+          <a:p>
+            <a:pPr lvl="1"/>
+            <a:r>
+              <a:rPr lang="en-US" dirty="0"/>
+              <a:t>Found out teachers donating to their own projects by matching the donor account id with the teacher account it</a:t>
+            </a:r>
+          </a:p>
+        </p:txBody>
+      </p:sp>
     </p:spTree>
     <p:extLst>
       <p:ext uri="{BB962C8B-B14F-4D97-AF65-F5344CB8AC3E}">
-        <p14:creationId xmlns:p14="http://schemas.microsoft.com/office/powerpoint/2010/main" val="3736345549"/>
+        <p14:creationId xmlns:p14="http://schemas.microsoft.com/office/powerpoint/2010/main" val="133037270"/>
       </p:ext>
     </p:extLst>
   </p:cSld>
   <p:clrMapOvr>
     <a:masterClrMapping/>
   </p:clrMapOvr>
-  <p:timing>
-    <p:tnLst>
-      <p:par>
-        <p:cTn id="1" dur="indefinite" restart="never" nodeType="tmRoot"/>
-      </p:par>
-    </p:tnLst>
-  </p:timing>
 </p:sld>
 </file>
 
@@ -6118,6 +5760,231 @@
         </p:nvSpPr>
         <p:spPr>
           <a:xfrm>
+            <a:off x="838200" y="122209"/>
+            <a:ext cx="10515600" cy="1364685"/>
+          </a:xfrm>
+        </p:spPr>
+        <p:txBody>
+          <a:bodyPr/>
+          <a:lstStyle/>
+          <a:p>
+            <a:pPr algn="ctr"/>
+            <a:r>
+              <a:rPr lang="en-US" dirty="0"/>
+              <a:t>Data Preprocessing </a:t>
+            </a:r>
+          </a:p>
+        </p:txBody>
+      </p:sp>
+      <p:sp>
+        <p:nvSpPr>
+          <p:cNvPr id="3" name="Content Placeholder 2"/>
+          <p:cNvSpPr>
+            <a:spLocks noGrp="1"/>
+          </p:cNvSpPr>
+          <p:nvPr>
+            <p:ph idx="1"/>
+          </p:nvPr>
+        </p:nvSpPr>
+        <p:spPr>
+          <a:xfrm>
+            <a:off x="734833" y="1280160"/>
+            <a:ext cx="10515600" cy="4937760"/>
+          </a:xfrm>
+        </p:spPr>
+        <p:txBody>
+          <a:bodyPr/>
+          <a:lstStyle/>
+          <a:p>
+            <a:r>
+              <a:rPr lang="en-US" dirty="0"/>
+              <a:t>One Hot Encoding</a:t>
+            </a:r>
+          </a:p>
+          <a:p>
+            <a:pPr lvl="1"/>
+            <a:r>
+              <a:rPr lang="en-US" dirty="0"/>
+              <a:t>Why? – For feeding categorical data to many </a:t>
+            </a:r>
+            <a:r>
+              <a:rPr lang="en-US" dirty="0" err="1"/>
+              <a:t>scikit</a:t>
+            </a:r>
+            <a:r>
+              <a:rPr lang="en-US" dirty="0"/>
+              <a:t>-learn estimators</a:t>
+            </a:r>
+          </a:p>
+          <a:p>
+            <a:pPr lvl="1"/>
+            <a:r>
+              <a:rPr lang="en-US" dirty="0"/>
+              <a:t>Decision tree classifier needs One Hot Encoding to input categorical features</a:t>
+            </a:r>
+          </a:p>
+          <a:p>
+            <a:pPr marL="457200" lvl="1" indent="0">
+              <a:buNone/>
+            </a:pPr>
+            <a:r>
+              <a:rPr lang="en-US" sz="1600" dirty="0"/>
+              <a:t>       </a:t>
+            </a:r>
+            <a:r>
+              <a:rPr lang="en-US" sz="1200" i="1" dirty="0"/>
+              <a:t>Original data</a:t>
+            </a:r>
+          </a:p>
+          <a:p>
+            <a:pPr marL="457200" lvl="1" indent="0">
+              <a:buNone/>
+            </a:pPr>
+            <a:endParaRPr lang="en-US" sz="1200" i="1" dirty="0"/>
+          </a:p>
+          <a:p>
+            <a:pPr marL="457200" lvl="1" indent="0">
+              <a:buNone/>
+            </a:pPr>
+            <a:endParaRPr lang="en-US" sz="1200" i="1" dirty="0"/>
+          </a:p>
+          <a:p>
+            <a:pPr marL="457200" lvl="1" indent="0">
+              <a:buNone/>
+            </a:pPr>
+            <a:endParaRPr lang="en-US" sz="1200" i="1" dirty="0"/>
+          </a:p>
+          <a:p>
+            <a:pPr marL="457200" lvl="1" indent="0">
+              <a:buNone/>
+            </a:pPr>
+            <a:endParaRPr lang="en-US" sz="1200" i="1" dirty="0"/>
+          </a:p>
+          <a:p>
+            <a:pPr marL="457200" lvl="1" indent="0">
+              <a:buNone/>
+            </a:pPr>
+            <a:endParaRPr lang="en-US" sz="1200" i="1" dirty="0"/>
+          </a:p>
+          <a:p>
+            <a:pPr marL="457200" lvl="1" indent="0">
+              <a:buNone/>
+            </a:pPr>
+            <a:endParaRPr lang="en-US" sz="1200" i="1" dirty="0"/>
+          </a:p>
+          <a:p>
+            <a:pPr marL="457200" lvl="1" indent="0">
+              <a:buNone/>
+            </a:pPr>
+            <a:endParaRPr lang="en-US" sz="1200" i="1" dirty="0"/>
+          </a:p>
+          <a:p>
+            <a:pPr marL="457200" lvl="1" indent="0">
+              <a:buNone/>
+            </a:pPr>
+            <a:r>
+              <a:rPr lang="en-US" sz="1200" i="1" dirty="0"/>
+              <a:t>          After One-Hot Encoding</a:t>
+            </a:r>
+          </a:p>
+          <a:p>
+            <a:pPr marL="457200" lvl="1" indent="0">
+              <a:buNone/>
+            </a:pPr>
+            <a:endParaRPr lang="en-US" sz="1200" i="1" dirty="0"/>
+          </a:p>
+          <a:p>
+            <a:pPr lvl="1"/>
+            <a:endParaRPr lang="en-US" sz="1600" dirty="0"/>
+          </a:p>
+        </p:txBody>
+      </p:sp>
+      <p:pic>
+        <p:nvPicPr>
+          <p:cNvPr id="4" name="Picture 3"/>
+          <p:cNvPicPr/>
+          <p:nvPr/>
+        </p:nvPicPr>
+        <p:blipFill>
+          <a:blip r:embed="rId2"/>
+          <a:stretch>
+            <a:fillRect/>
+          </a:stretch>
+        </p:blipFill>
+        <p:spPr>
+          <a:xfrm>
+            <a:off x="1603511" y="2743200"/>
+            <a:ext cx="7527789" cy="1574800"/>
+          </a:xfrm>
+          <a:prstGeom prst="rect">
+            <a:avLst/>
+          </a:prstGeom>
+        </p:spPr>
+      </p:pic>
+      <p:pic>
+        <p:nvPicPr>
+          <p:cNvPr id="5" name="Picture 4"/>
+          <p:cNvPicPr/>
+          <p:nvPr/>
+        </p:nvPicPr>
+        <p:blipFill>
+          <a:blip r:embed="rId3"/>
+          <a:stretch>
+            <a:fillRect/>
+          </a:stretch>
+        </p:blipFill>
+        <p:spPr>
+          <a:xfrm>
+            <a:off x="1603511" y="4673600"/>
+            <a:ext cx="7516855" cy="1786399"/>
+          </a:xfrm>
+          <a:prstGeom prst="rect">
+            <a:avLst/>
+          </a:prstGeom>
+        </p:spPr>
+      </p:pic>
+    </p:spTree>
+    <p:extLst>
+      <p:ext uri="{BB962C8B-B14F-4D97-AF65-F5344CB8AC3E}">
+        <p14:creationId xmlns:p14="http://schemas.microsoft.com/office/powerpoint/2010/main" val="3736345549"/>
+      </p:ext>
+    </p:extLst>
+  </p:cSld>
+  <p:clrMapOvr>
+    <a:masterClrMapping/>
+  </p:clrMapOvr>
+</p:sld>
+</file>
+
+<file path=ppt/slides/slide9.xml><?xml version="1.0" encoding="utf-8"?>
+<p:sld xmlns:a="http://schemas.openxmlformats.org/drawingml/2006/main" xmlns:r="http://schemas.openxmlformats.org/officeDocument/2006/relationships" xmlns:p="http://schemas.openxmlformats.org/presentationml/2006/main">
+  <p:cSld>
+    <p:spTree>
+      <p:nvGrpSpPr>
+        <p:cNvPr id="1" name=""/>
+        <p:cNvGrpSpPr/>
+        <p:nvPr/>
+      </p:nvGrpSpPr>
+      <p:grpSpPr>
+        <a:xfrm>
+          <a:off x="0" y="0"/>
+          <a:ext cx="0" cy="0"/>
+          <a:chOff x="0" y="0"/>
+          <a:chExt cx="0" cy="0"/>
+        </a:xfrm>
+      </p:grpSpPr>
+      <p:sp>
+        <p:nvSpPr>
+          <p:cNvPr id="2" name="Title 1"/>
+          <p:cNvSpPr>
+            <a:spLocks noGrp="1"/>
+          </p:cNvSpPr>
+          <p:nvPr>
+            <p:ph type="title"/>
+          </p:nvPr>
+        </p:nvSpPr>
+        <p:spPr>
+          <a:xfrm>
             <a:off x="785192" y="167715"/>
             <a:ext cx="10515600" cy="1325563"/>
           </a:xfrm>
@@ -6128,10 +5995,9 @@
           <a:p>
             <a:pPr algn="ctr"/>
             <a:r>
-              <a:rPr lang="en-US" dirty="0" smtClean="0"/>
-              <a:t>Exploratory Data Analysis</a:t>
-            </a:r>
-            <a:endParaRPr lang="en-US" dirty="0"/>
+              <a:rPr lang="en-US" dirty="0"/>
+              <a:t>Preliminary Analysis</a:t>
+            </a:r>
           </a:p>
         </p:txBody>
       </p:sp>
@@ -6156,7 +6022,7 @@
           <a:lstStyle/>
           <a:p>
             <a:r>
-              <a:rPr lang="en-US" dirty="0" smtClean="0"/>
+              <a:rPr lang="en-US" dirty="0"/>
               <a:t>Subject Category vs Project Completion percent</a:t>
             </a:r>
           </a:p>
@@ -6166,21 +6032,8 @@
             </a:pPr>
             <a:r>
               <a:rPr lang="en-US" sz="2000" i="1" dirty="0"/>
-              <a:t>(</a:t>
-            </a:r>
-            <a:r>
-              <a:rPr lang="en-US" sz="2000" i="1" dirty="0" smtClean="0"/>
-              <a:t>project </a:t>
-            </a:r>
-            <a:r>
-              <a:rPr lang="en-US" sz="2000" i="1" dirty="0"/>
-              <a:t>completion percent = number of projects completed under a category/ total number of projects under a </a:t>
-            </a:r>
-            <a:r>
-              <a:rPr lang="en-US" sz="2000" i="1" dirty="0" smtClean="0"/>
-              <a:t>category)</a:t>
-            </a:r>
-            <a:endParaRPr lang="en-US" sz="2000" i="1" dirty="0"/>
+              <a:t>(project completion percent = number of projects completed under a category/ total number of projects under a category)</a:t>
+            </a:r>
           </a:p>
         </p:txBody>
       </p:sp>
@@ -6227,208 +6080,6 @@
   <p:clrMapOvr>
     <a:masterClrMapping/>
   </p:clrMapOvr>
-  <p:timing>
-    <p:tnLst>
-      <p:par>
-        <p:cTn id="1" dur="indefinite" restart="never" nodeType="tmRoot"/>
-      </p:par>
-    </p:tnLst>
-  </p:timing>
-</p:sld>
-</file>
-
-<file path=ppt/slides/slide9.xml><?xml version="1.0" encoding="utf-8"?>
-<p:sld xmlns:a="http://schemas.openxmlformats.org/drawingml/2006/main" xmlns:r="http://schemas.openxmlformats.org/officeDocument/2006/relationships" xmlns:p="http://schemas.openxmlformats.org/presentationml/2006/main">
-  <p:cSld>
-    <p:spTree>
-      <p:nvGrpSpPr>
-        <p:cNvPr id="1" name=""/>
-        <p:cNvGrpSpPr/>
-        <p:nvPr/>
-      </p:nvGrpSpPr>
-      <p:grpSpPr>
-        <a:xfrm>
-          <a:off x="0" y="0"/>
-          <a:ext cx="0" cy="0"/>
-          <a:chOff x="0" y="0"/>
-          <a:chExt cx="0" cy="0"/>
-        </a:xfrm>
-      </p:grpSpPr>
-      <p:sp>
-        <p:nvSpPr>
-          <p:cNvPr id="2" name="Title 1"/>
-          <p:cNvSpPr>
-            <a:spLocks noGrp="1"/>
-          </p:cNvSpPr>
-          <p:nvPr>
-            <p:ph type="title"/>
-          </p:nvPr>
-        </p:nvSpPr>
-        <p:spPr>
-          <a:xfrm>
-            <a:off x="838200" y="276225"/>
-            <a:ext cx="10515600" cy="1325563"/>
-          </a:xfrm>
-        </p:spPr>
-        <p:txBody>
-          <a:bodyPr/>
-          <a:lstStyle/>
-          <a:p>
-            <a:pPr algn="ctr"/>
-            <a:r>
-              <a:rPr lang="en-US" dirty="0" smtClean="0"/>
-              <a:t>Exploratory Data Analysis</a:t>
-            </a:r>
-            <a:endParaRPr lang="en-US" dirty="0"/>
-          </a:p>
-        </p:txBody>
-      </p:sp>
-      <p:sp>
-        <p:nvSpPr>
-          <p:cNvPr id="3" name="Content Placeholder 2"/>
-          <p:cNvSpPr>
-            <a:spLocks noGrp="1"/>
-          </p:cNvSpPr>
-          <p:nvPr>
-            <p:ph idx="1"/>
-          </p:nvPr>
-        </p:nvSpPr>
-        <p:spPr>
-          <a:xfrm>
-            <a:off x="838200" y="1601788"/>
-            <a:ext cx="10515600" cy="4665663"/>
-          </a:xfrm>
-        </p:spPr>
-        <p:txBody>
-          <a:bodyPr/>
-          <a:lstStyle/>
-          <a:p>
-            <a:pPr marL="0" indent="0">
-              <a:buNone/>
-            </a:pPr>
-            <a:r>
-              <a:rPr lang="en-US" sz="3200" dirty="0" smtClean="0"/>
-              <a:t>Observations</a:t>
-            </a:r>
-            <a:r>
-              <a:rPr lang="en-US" sz="3600" dirty="0" smtClean="0"/>
-              <a:t> </a:t>
-            </a:r>
-            <a:endParaRPr lang="en-US" sz="3600" dirty="0"/>
-          </a:p>
-          <a:p>
-            <a:r>
-              <a:rPr lang="en-US" sz="2400" dirty="0" smtClean="0"/>
-              <a:t>‘</a:t>
-            </a:r>
-            <a:r>
-              <a:rPr lang="en-US" sz="2400" dirty="0"/>
-              <a:t>Other’ scored the </a:t>
-            </a:r>
-            <a:r>
-              <a:rPr lang="en-US" sz="2400" dirty="0" smtClean="0"/>
-              <a:t>lowest (57.39 % projects completed)-</a:t>
-            </a:r>
-            <a:endParaRPr lang="en-US" sz="1400" dirty="0" smtClean="0"/>
-          </a:p>
-          <a:p>
-            <a:pPr marL="457200" lvl="1" indent="0">
-              <a:buNone/>
-            </a:pPr>
-            <a:r>
-              <a:rPr lang="en-US" sz="2000" i="1" dirty="0" smtClean="0"/>
-              <a:t>‘Other’ comes under ‘Applied Learning’ category. So for a teacher, it is better to have a project assigned to some category rather than having it in ‘Other’</a:t>
-            </a:r>
-            <a:endParaRPr lang="en-US" sz="1100" dirty="0" smtClean="0"/>
-          </a:p>
-          <a:p>
-            <a:r>
-              <a:rPr lang="en-US" sz="2400" dirty="0" smtClean="0"/>
-              <a:t>‘</a:t>
-            </a:r>
-            <a:r>
-              <a:rPr lang="en-US" sz="2400" dirty="0"/>
-              <a:t>Parent Involvement’ projects also scored very low compared to other </a:t>
-            </a:r>
-            <a:r>
-              <a:rPr lang="en-US" sz="2400" dirty="0" smtClean="0"/>
-              <a:t>categories(57.68% projects completed)</a:t>
-            </a:r>
-            <a:endParaRPr lang="en-US" sz="1400" dirty="0" smtClean="0"/>
-          </a:p>
-          <a:p>
-            <a:pPr marL="0" indent="0">
-              <a:buNone/>
-            </a:pPr>
-            <a:endParaRPr lang="en-US" sz="3200" dirty="0" smtClean="0"/>
-          </a:p>
-          <a:p>
-            <a:pPr marL="0" indent="0">
-              <a:buNone/>
-            </a:pPr>
-            <a:r>
-              <a:rPr lang="en-US" sz="3200" dirty="0" smtClean="0"/>
-              <a:t>Suggestion to DonorsChoose.org</a:t>
-            </a:r>
-          </a:p>
-          <a:p>
-            <a:pPr marL="0" indent="0">
-              <a:buNone/>
-            </a:pPr>
-            <a:r>
-              <a:rPr lang="en-US" sz="2400" i="1" dirty="0"/>
-              <a:t>DonorsChoose.org could have a small tip while registering a project saying – Chances of getting a project </a:t>
-            </a:r>
-            <a:r>
-              <a:rPr lang="en-US" sz="2400" i="1" dirty="0" smtClean="0"/>
-              <a:t>noticed </a:t>
-            </a:r>
-            <a:r>
-              <a:rPr lang="en-US" sz="2400" i="1" dirty="0"/>
-              <a:t>are high if you have an assigned category.</a:t>
-            </a:r>
-          </a:p>
-          <a:p>
-            <a:pPr marL="0" indent="0">
-              <a:buNone/>
-            </a:pPr>
-            <a:endParaRPr lang="en-US" sz="3200" dirty="0" smtClean="0"/>
-          </a:p>
-          <a:p>
-            <a:pPr marL="0" indent="0">
-              <a:buNone/>
-            </a:pPr>
-            <a:endParaRPr lang="en-US" dirty="0"/>
-          </a:p>
-          <a:p>
-            <a:pPr marL="0" indent="0">
-              <a:buNone/>
-            </a:pPr>
-            <a:endParaRPr lang="en-US" dirty="0" smtClean="0"/>
-          </a:p>
-          <a:p>
-            <a:pPr lvl="1"/>
-            <a:endParaRPr lang="en-US" dirty="0"/>
-          </a:p>
-        </p:txBody>
-      </p:sp>
-    </p:spTree>
-    <p:extLst>
-      <p:ext uri="{BB962C8B-B14F-4D97-AF65-F5344CB8AC3E}">
-        <p14:creationId xmlns:p14="http://schemas.microsoft.com/office/powerpoint/2010/main" val="3009599304"/>
-      </p:ext>
-    </p:extLst>
-  </p:cSld>
-  <p:clrMapOvr>
-    <a:masterClrMapping/>
-  </p:clrMapOvr>
-  <p:timing>
-    <p:tnLst>
-      <p:par>
-        <p:cTn id="1" dur="indefinite" restart="never" nodeType="tmRoot"/>
-      </p:par>
-    </p:tnLst>
-  </p:timing>
 </p:sld>
 </file>
 
